--- a/CalendarioAgo20/Presentaciones/4_Switch.pptx
+++ b/CalendarioAgo20/Presentaciones/4_Switch.pptx
@@ -224,7 +224,7 @@
           <a:p>
             <a:fld id="{99113E7F-688C-4287-A789-95242E967543}" type="datetimeFigureOut">
               <a:rPr lang="es-MX" smtClean="0"/>
-              <a:t>24/01/2017</a:t>
+              <a:t>24/08/2020</a:t>
             </a:fld>
             <a:endParaRPr lang="es-MX" dirty="0"/>
           </a:p>
@@ -288,35 +288,35 @@
           <a:p>
             <a:pPr lvl="0"/>
             <a:r>
-              <a:rPr lang="es-ES" smtClean="0"/>
+              <a:rPr lang="es-ES"/>
               <a:t>Haga clic para modificar el estilo de texto del patrón</a:t>
             </a:r>
           </a:p>
           <a:p>
             <a:pPr lvl="1"/>
             <a:r>
-              <a:rPr lang="es-ES" smtClean="0"/>
+              <a:rPr lang="es-ES"/>
               <a:t>Segundo nivel</a:t>
             </a:r>
           </a:p>
           <a:p>
             <a:pPr lvl="2"/>
             <a:r>
-              <a:rPr lang="es-ES" smtClean="0"/>
+              <a:rPr lang="es-ES"/>
               <a:t>Tercer nivel</a:t>
             </a:r>
           </a:p>
           <a:p>
             <a:pPr lvl="3"/>
             <a:r>
-              <a:rPr lang="es-ES" smtClean="0"/>
+              <a:rPr lang="es-ES"/>
               <a:t>Cuarto nivel</a:t>
             </a:r>
           </a:p>
           <a:p>
             <a:pPr lvl="4"/>
             <a:r>
-              <a:rPr lang="es-ES" smtClean="0"/>
+              <a:rPr lang="es-ES"/>
               <a:t>Quinto nivel</a:t>
             </a:r>
             <a:endParaRPr lang="es-MX"/>
@@ -614,7 +614,7 @@
           <a:lstStyle/>
           <a:p>
             <a:r>
-              <a:rPr lang="es-ES" smtClean="0"/>
+              <a:rPr lang="es-ES"/>
               <a:t>Haga clic para modificar el estilo de título del patrón</a:t>
             </a:r>
             <a:endParaRPr lang="es-MX"/>
@@ -733,7 +733,7 @@
           </a:lstStyle>
           <a:p>
             <a:r>
-              <a:rPr lang="es-ES" smtClean="0"/>
+              <a:rPr lang="es-ES"/>
               <a:t>Haga clic para modificar el estilo de subtítulo del patrón</a:t>
             </a:r>
             <a:endParaRPr lang="es-MX"/>
@@ -757,7 +757,7 @@
           <a:p>
             <a:fld id="{5AE9B9E1-49A6-45B7-B9F9-AD67F0542887}" type="datetimeFigureOut">
               <a:rPr lang="es-MX" smtClean="0"/>
-              <a:t>24/01/2017</a:t>
+              <a:t>24/08/2020</a:t>
             </a:fld>
             <a:endParaRPr lang="es-MX" dirty="0"/>
           </a:p>
@@ -851,7 +851,7 @@
           <a:lstStyle/>
           <a:p>
             <a:r>
-              <a:rPr lang="es-ES" smtClean="0"/>
+              <a:rPr lang="es-ES"/>
               <a:t>Haga clic para modificar el estilo de título del patrón</a:t>
             </a:r>
             <a:endParaRPr lang="es-MX"/>
@@ -875,35 +875,35 @@
           <a:p>
             <a:pPr lvl="0"/>
             <a:r>
-              <a:rPr lang="es-ES" smtClean="0"/>
+              <a:rPr lang="es-ES"/>
               <a:t>Haga clic para modificar el estilo de texto del patrón</a:t>
             </a:r>
           </a:p>
           <a:p>
             <a:pPr lvl="1"/>
             <a:r>
-              <a:rPr lang="es-ES" smtClean="0"/>
+              <a:rPr lang="es-ES"/>
               <a:t>Segundo nivel</a:t>
             </a:r>
           </a:p>
           <a:p>
             <a:pPr lvl="2"/>
             <a:r>
-              <a:rPr lang="es-ES" smtClean="0"/>
+              <a:rPr lang="es-ES"/>
               <a:t>Tercer nivel</a:t>
             </a:r>
           </a:p>
           <a:p>
             <a:pPr lvl="3"/>
             <a:r>
-              <a:rPr lang="es-ES" smtClean="0"/>
+              <a:rPr lang="es-ES"/>
               <a:t>Cuarto nivel</a:t>
             </a:r>
           </a:p>
           <a:p>
             <a:pPr lvl="4"/>
             <a:r>
-              <a:rPr lang="es-ES" smtClean="0"/>
+              <a:rPr lang="es-ES"/>
               <a:t>Quinto nivel</a:t>
             </a:r>
             <a:endParaRPr lang="es-MX"/>
@@ -927,7 +927,7 @@
           <a:p>
             <a:fld id="{5AE9B9E1-49A6-45B7-B9F9-AD67F0542887}" type="datetimeFigureOut">
               <a:rPr lang="es-MX" smtClean="0"/>
-              <a:t>24/01/2017</a:t>
+              <a:t>24/08/2020</a:t>
             </a:fld>
             <a:endParaRPr lang="es-MX" dirty="0"/>
           </a:p>
@@ -1026,7 +1026,7 @@
           <a:lstStyle/>
           <a:p>
             <a:r>
-              <a:rPr lang="es-ES" smtClean="0"/>
+              <a:rPr lang="es-ES"/>
               <a:t>Haga clic para modificar el estilo de título del patrón</a:t>
             </a:r>
             <a:endParaRPr lang="es-MX"/>
@@ -1055,35 +1055,35 @@
           <a:p>
             <a:pPr lvl="0"/>
             <a:r>
-              <a:rPr lang="es-ES" smtClean="0"/>
+              <a:rPr lang="es-ES"/>
               <a:t>Haga clic para modificar el estilo de texto del patrón</a:t>
             </a:r>
           </a:p>
           <a:p>
             <a:pPr lvl="1"/>
             <a:r>
-              <a:rPr lang="es-ES" smtClean="0"/>
+              <a:rPr lang="es-ES"/>
               <a:t>Segundo nivel</a:t>
             </a:r>
           </a:p>
           <a:p>
             <a:pPr lvl="2"/>
             <a:r>
-              <a:rPr lang="es-ES" smtClean="0"/>
+              <a:rPr lang="es-ES"/>
               <a:t>Tercer nivel</a:t>
             </a:r>
           </a:p>
           <a:p>
             <a:pPr lvl="3"/>
             <a:r>
-              <a:rPr lang="es-ES" smtClean="0"/>
+              <a:rPr lang="es-ES"/>
               <a:t>Cuarto nivel</a:t>
             </a:r>
           </a:p>
           <a:p>
             <a:pPr lvl="4"/>
             <a:r>
-              <a:rPr lang="es-ES" smtClean="0"/>
+              <a:rPr lang="es-ES"/>
               <a:t>Quinto nivel</a:t>
             </a:r>
             <a:endParaRPr lang="es-MX"/>
@@ -1107,7 +1107,7 @@
           <a:p>
             <a:fld id="{5AE9B9E1-49A6-45B7-B9F9-AD67F0542887}" type="datetimeFigureOut">
               <a:rPr lang="es-MX" smtClean="0"/>
-              <a:t>24/01/2017</a:t>
+              <a:t>24/08/2020</a:t>
             </a:fld>
             <a:endParaRPr lang="es-MX" dirty="0"/>
           </a:p>
@@ -1206,7 +1206,7 @@
           <a:lstStyle/>
           <a:p>
             <a:r>
-              <a:rPr lang="es-ES" smtClean="0"/>
+              <a:rPr lang="es-ES"/>
               <a:t>Haga clic para modificar el estilo de título del patrón</a:t>
             </a:r>
             <a:endParaRPr lang="es-MX"/>
@@ -1259,35 +1259,35 @@
           <a:p>
             <a:pPr lvl="0"/>
             <a:r>
-              <a:rPr lang="es-ES" smtClean="0"/>
+              <a:rPr lang="es-ES"/>
               <a:t>Haga clic para modificar el estilo de texto del patrón</a:t>
             </a:r>
           </a:p>
           <a:p>
             <a:pPr lvl="1"/>
             <a:r>
-              <a:rPr lang="es-ES" smtClean="0"/>
+              <a:rPr lang="es-ES"/>
               <a:t>Segundo nivel</a:t>
             </a:r>
           </a:p>
           <a:p>
             <a:pPr lvl="2"/>
             <a:r>
-              <a:rPr lang="es-ES" smtClean="0"/>
+              <a:rPr lang="es-ES"/>
               <a:t>Tercer nivel</a:t>
             </a:r>
           </a:p>
           <a:p>
             <a:pPr lvl="3"/>
             <a:r>
-              <a:rPr lang="es-ES" smtClean="0"/>
+              <a:rPr lang="es-ES"/>
               <a:t>Cuarto nivel</a:t>
             </a:r>
           </a:p>
           <a:p>
             <a:pPr lvl="4"/>
             <a:r>
-              <a:rPr lang="es-ES" smtClean="0"/>
+              <a:rPr lang="es-ES"/>
               <a:t>Quinto nivel</a:t>
             </a:r>
             <a:endParaRPr lang="es-MX"/>
@@ -1429,7 +1429,7 @@
           <a:lstStyle/>
           <a:p>
             <a:r>
-              <a:rPr lang="es-ES" smtClean="0"/>
+              <a:rPr lang="es-ES"/>
               <a:t>Haga clic para modificar el estilo de título del patrón</a:t>
             </a:r>
             <a:endParaRPr lang="es-MX"/>
@@ -1453,35 +1453,35 @@
           <a:p>
             <a:pPr lvl="0"/>
             <a:r>
-              <a:rPr lang="es-ES" smtClean="0"/>
+              <a:rPr lang="es-ES"/>
               <a:t>Haga clic para modificar el estilo de texto del patrón</a:t>
             </a:r>
           </a:p>
           <a:p>
             <a:pPr lvl="1"/>
             <a:r>
-              <a:rPr lang="es-ES" smtClean="0"/>
+              <a:rPr lang="es-ES"/>
               <a:t>Segundo nivel</a:t>
             </a:r>
           </a:p>
           <a:p>
             <a:pPr lvl="2"/>
             <a:r>
-              <a:rPr lang="es-ES" smtClean="0"/>
+              <a:rPr lang="es-ES"/>
               <a:t>Tercer nivel</a:t>
             </a:r>
           </a:p>
           <a:p>
             <a:pPr lvl="3"/>
             <a:r>
-              <a:rPr lang="es-ES" smtClean="0"/>
+              <a:rPr lang="es-ES"/>
               <a:t>Cuarto nivel</a:t>
             </a:r>
           </a:p>
           <a:p>
             <a:pPr lvl="4"/>
             <a:r>
-              <a:rPr lang="es-ES" smtClean="0"/>
+              <a:rPr lang="es-ES"/>
               <a:t>Quinto nivel</a:t>
             </a:r>
             <a:endParaRPr lang="es-MX"/>
@@ -1505,7 +1505,7 @@
           <a:p>
             <a:fld id="{5AE9B9E1-49A6-45B7-B9F9-AD67F0542887}" type="datetimeFigureOut">
               <a:rPr lang="es-MX" smtClean="0"/>
-              <a:t>24/01/2017</a:t>
+              <a:t>24/08/2020</a:t>
             </a:fld>
             <a:endParaRPr lang="es-MX" dirty="0"/>
           </a:p>
@@ -1608,7 +1608,7 @@
           </a:lstStyle>
           <a:p>
             <a:r>
-              <a:rPr lang="es-ES" smtClean="0"/>
+              <a:rPr lang="es-ES"/>
               <a:t>Haga clic para modificar el estilo de título del patrón</a:t>
             </a:r>
             <a:endParaRPr lang="es-MX"/>
@@ -1728,7 +1728,7 @@
           <a:p>
             <a:pPr lvl="0"/>
             <a:r>
-              <a:rPr lang="es-ES" smtClean="0"/>
+              <a:rPr lang="es-ES"/>
               <a:t>Haga clic para modificar el estilo de texto del patrón</a:t>
             </a:r>
           </a:p>
@@ -1751,7 +1751,7 @@
           <a:p>
             <a:fld id="{5AE9B9E1-49A6-45B7-B9F9-AD67F0542887}" type="datetimeFigureOut">
               <a:rPr lang="es-MX" smtClean="0"/>
-              <a:t>24/01/2017</a:t>
+              <a:t>24/08/2020</a:t>
             </a:fld>
             <a:endParaRPr lang="es-MX" dirty="0"/>
           </a:p>
@@ -1845,7 +1845,7 @@
           <a:lstStyle/>
           <a:p>
             <a:r>
-              <a:rPr lang="es-ES" smtClean="0"/>
+              <a:rPr lang="es-ES"/>
               <a:t>Haga clic para modificar el estilo de título del patrón</a:t>
             </a:r>
             <a:endParaRPr lang="es-MX"/>
@@ -1902,35 +1902,35 @@
           <a:p>
             <a:pPr lvl="0"/>
             <a:r>
-              <a:rPr lang="es-ES" smtClean="0"/>
+              <a:rPr lang="es-ES"/>
               <a:t>Haga clic para modificar el estilo de texto del patrón</a:t>
             </a:r>
           </a:p>
           <a:p>
             <a:pPr lvl="1"/>
             <a:r>
-              <a:rPr lang="es-ES" smtClean="0"/>
+              <a:rPr lang="es-ES"/>
               <a:t>Segundo nivel</a:t>
             </a:r>
           </a:p>
           <a:p>
             <a:pPr lvl="2"/>
             <a:r>
-              <a:rPr lang="es-ES" smtClean="0"/>
+              <a:rPr lang="es-ES"/>
               <a:t>Tercer nivel</a:t>
             </a:r>
           </a:p>
           <a:p>
             <a:pPr lvl="3"/>
             <a:r>
-              <a:rPr lang="es-ES" smtClean="0"/>
+              <a:rPr lang="es-ES"/>
               <a:t>Cuarto nivel</a:t>
             </a:r>
           </a:p>
           <a:p>
             <a:pPr lvl="4"/>
             <a:r>
-              <a:rPr lang="es-ES" smtClean="0"/>
+              <a:rPr lang="es-ES"/>
               <a:t>Quinto nivel</a:t>
             </a:r>
             <a:endParaRPr lang="es-MX"/>
@@ -1987,35 +1987,35 @@
           <a:p>
             <a:pPr lvl="0"/>
             <a:r>
-              <a:rPr lang="es-ES" smtClean="0"/>
+              <a:rPr lang="es-ES"/>
               <a:t>Haga clic para modificar el estilo de texto del patrón</a:t>
             </a:r>
           </a:p>
           <a:p>
             <a:pPr lvl="1"/>
             <a:r>
-              <a:rPr lang="es-ES" smtClean="0"/>
+              <a:rPr lang="es-ES"/>
               <a:t>Segundo nivel</a:t>
             </a:r>
           </a:p>
           <a:p>
             <a:pPr lvl="2"/>
             <a:r>
-              <a:rPr lang="es-ES" smtClean="0"/>
+              <a:rPr lang="es-ES"/>
               <a:t>Tercer nivel</a:t>
             </a:r>
           </a:p>
           <a:p>
             <a:pPr lvl="3"/>
             <a:r>
-              <a:rPr lang="es-ES" smtClean="0"/>
+              <a:rPr lang="es-ES"/>
               <a:t>Cuarto nivel</a:t>
             </a:r>
           </a:p>
           <a:p>
             <a:pPr lvl="4"/>
             <a:r>
-              <a:rPr lang="es-ES" smtClean="0"/>
+              <a:rPr lang="es-ES"/>
               <a:t>Quinto nivel</a:t>
             </a:r>
             <a:endParaRPr lang="es-MX"/>
@@ -2039,7 +2039,7 @@
           <a:p>
             <a:fld id="{5AE9B9E1-49A6-45B7-B9F9-AD67F0542887}" type="datetimeFigureOut">
               <a:rPr lang="es-MX" smtClean="0"/>
-              <a:t>24/01/2017</a:t>
+              <a:t>24/08/2020</a:t>
             </a:fld>
             <a:endParaRPr lang="es-MX" dirty="0"/>
           </a:p>
@@ -2137,7 +2137,7 @@
           </a:lstStyle>
           <a:p>
             <a:r>
-              <a:rPr lang="es-ES" smtClean="0"/>
+              <a:rPr lang="es-ES"/>
               <a:t>Haga clic para modificar el estilo de título del patrón</a:t>
             </a:r>
             <a:endParaRPr lang="es-MX"/>
@@ -2203,7 +2203,7 @@
           <a:p>
             <a:pPr lvl="0"/>
             <a:r>
-              <a:rPr lang="es-ES" smtClean="0"/>
+              <a:rPr lang="es-ES"/>
               <a:t>Haga clic para modificar el estilo de texto del patrón</a:t>
             </a:r>
           </a:p>
@@ -2259,35 +2259,35 @@
           <a:p>
             <a:pPr lvl="0"/>
             <a:r>
-              <a:rPr lang="es-ES" smtClean="0"/>
+              <a:rPr lang="es-ES"/>
               <a:t>Haga clic para modificar el estilo de texto del patrón</a:t>
             </a:r>
           </a:p>
           <a:p>
             <a:pPr lvl="1"/>
             <a:r>
-              <a:rPr lang="es-ES" smtClean="0"/>
+              <a:rPr lang="es-ES"/>
               <a:t>Segundo nivel</a:t>
             </a:r>
           </a:p>
           <a:p>
             <a:pPr lvl="2"/>
             <a:r>
-              <a:rPr lang="es-ES" smtClean="0"/>
+              <a:rPr lang="es-ES"/>
               <a:t>Tercer nivel</a:t>
             </a:r>
           </a:p>
           <a:p>
             <a:pPr lvl="3"/>
             <a:r>
-              <a:rPr lang="es-ES" smtClean="0"/>
+              <a:rPr lang="es-ES"/>
               <a:t>Cuarto nivel</a:t>
             </a:r>
           </a:p>
           <a:p>
             <a:pPr lvl="4"/>
             <a:r>
-              <a:rPr lang="es-ES" smtClean="0"/>
+              <a:rPr lang="es-ES"/>
               <a:t>Quinto nivel</a:t>
             </a:r>
             <a:endParaRPr lang="es-MX"/>
@@ -2353,7 +2353,7 @@
           <a:p>
             <a:pPr lvl="0"/>
             <a:r>
-              <a:rPr lang="es-ES" smtClean="0"/>
+              <a:rPr lang="es-ES"/>
               <a:t>Haga clic para modificar el estilo de texto del patrón</a:t>
             </a:r>
           </a:p>
@@ -2409,35 +2409,35 @@
           <a:p>
             <a:pPr lvl="0"/>
             <a:r>
-              <a:rPr lang="es-ES" smtClean="0"/>
+              <a:rPr lang="es-ES"/>
               <a:t>Haga clic para modificar el estilo de texto del patrón</a:t>
             </a:r>
           </a:p>
           <a:p>
             <a:pPr lvl="1"/>
             <a:r>
-              <a:rPr lang="es-ES" smtClean="0"/>
+              <a:rPr lang="es-ES"/>
               <a:t>Segundo nivel</a:t>
             </a:r>
           </a:p>
           <a:p>
             <a:pPr lvl="2"/>
             <a:r>
-              <a:rPr lang="es-ES" smtClean="0"/>
+              <a:rPr lang="es-ES"/>
               <a:t>Tercer nivel</a:t>
             </a:r>
           </a:p>
           <a:p>
             <a:pPr lvl="3"/>
             <a:r>
-              <a:rPr lang="es-ES" smtClean="0"/>
+              <a:rPr lang="es-ES"/>
               <a:t>Cuarto nivel</a:t>
             </a:r>
           </a:p>
           <a:p>
             <a:pPr lvl="4"/>
             <a:r>
-              <a:rPr lang="es-ES" smtClean="0"/>
+              <a:rPr lang="es-ES"/>
               <a:t>Quinto nivel</a:t>
             </a:r>
             <a:endParaRPr lang="es-MX"/>
@@ -2461,7 +2461,7 @@
           <a:p>
             <a:fld id="{5AE9B9E1-49A6-45B7-B9F9-AD67F0542887}" type="datetimeFigureOut">
               <a:rPr lang="es-MX" smtClean="0"/>
-              <a:t>24/01/2017</a:t>
+              <a:t>24/08/2020</a:t>
             </a:fld>
             <a:endParaRPr lang="es-MX" dirty="0"/>
           </a:p>
@@ -2555,7 +2555,7 @@
           <a:lstStyle/>
           <a:p>
             <a:r>
-              <a:rPr lang="es-ES" smtClean="0"/>
+              <a:rPr lang="es-ES"/>
               <a:t>Haga clic para modificar el estilo de título del patrón</a:t>
             </a:r>
             <a:endParaRPr lang="es-MX"/>
@@ -2579,7 +2579,7 @@
           <a:p>
             <a:fld id="{5AE9B9E1-49A6-45B7-B9F9-AD67F0542887}" type="datetimeFigureOut">
               <a:rPr lang="es-MX" smtClean="0"/>
-              <a:t>24/01/2017</a:t>
+              <a:t>24/08/2020</a:t>
             </a:fld>
             <a:endParaRPr lang="es-MX" dirty="0"/>
           </a:p>
@@ -2674,7 +2674,7 @@
           <a:p>
             <a:fld id="{5AE9B9E1-49A6-45B7-B9F9-AD67F0542887}" type="datetimeFigureOut">
               <a:rPr lang="es-MX" smtClean="0"/>
-              <a:t>24/01/2017</a:t>
+              <a:t>24/08/2020</a:t>
             </a:fld>
             <a:endParaRPr lang="es-MX" dirty="0"/>
           </a:p>
@@ -2777,7 +2777,7 @@
           </a:lstStyle>
           <a:p>
             <a:r>
-              <a:rPr lang="es-ES" smtClean="0"/>
+              <a:rPr lang="es-ES"/>
               <a:t>Haga clic para modificar el estilo de título del patrón</a:t>
             </a:r>
             <a:endParaRPr lang="es-MX"/>
@@ -2834,35 +2834,35 @@
           <a:p>
             <a:pPr lvl="0"/>
             <a:r>
-              <a:rPr lang="es-ES" smtClean="0"/>
+              <a:rPr lang="es-ES"/>
               <a:t>Haga clic para modificar el estilo de texto del patrón</a:t>
             </a:r>
           </a:p>
           <a:p>
             <a:pPr lvl="1"/>
             <a:r>
-              <a:rPr lang="es-ES" smtClean="0"/>
+              <a:rPr lang="es-ES"/>
               <a:t>Segundo nivel</a:t>
             </a:r>
           </a:p>
           <a:p>
             <a:pPr lvl="2"/>
             <a:r>
-              <a:rPr lang="es-ES" smtClean="0"/>
+              <a:rPr lang="es-ES"/>
               <a:t>Tercer nivel</a:t>
             </a:r>
           </a:p>
           <a:p>
             <a:pPr lvl="3"/>
             <a:r>
-              <a:rPr lang="es-ES" smtClean="0"/>
+              <a:rPr lang="es-ES"/>
               <a:t>Cuarto nivel</a:t>
             </a:r>
           </a:p>
           <a:p>
             <a:pPr lvl="4"/>
             <a:r>
-              <a:rPr lang="es-ES" smtClean="0"/>
+              <a:rPr lang="es-ES"/>
               <a:t>Quinto nivel</a:t>
             </a:r>
             <a:endParaRPr lang="es-MX"/>
@@ -2928,7 +2928,7 @@
           <a:p>
             <a:pPr lvl="0"/>
             <a:r>
-              <a:rPr lang="es-ES" smtClean="0"/>
+              <a:rPr lang="es-ES"/>
               <a:t>Haga clic para modificar el estilo de texto del patrón</a:t>
             </a:r>
           </a:p>
@@ -2951,7 +2951,7 @@
           <a:p>
             <a:fld id="{5AE9B9E1-49A6-45B7-B9F9-AD67F0542887}" type="datetimeFigureOut">
               <a:rPr lang="es-MX" smtClean="0"/>
-              <a:t>24/01/2017</a:t>
+              <a:t>24/08/2020</a:t>
             </a:fld>
             <a:endParaRPr lang="es-MX" dirty="0"/>
           </a:p>
@@ -3054,7 +3054,7 @@
           </a:lstStyle>
           <a:p>
             <a:r>
-              <a:rPr lang="es-ES" smtClean="0"/>
+              <a:rPr lang="es-ES"/>
               <a:t>Haga clic para modificar el estilo de título del patrón</a:t>
             </a:r>
             <a:endParaRPr lang="es-MX"/>
@@ -3181,7 +3181,7 @@
           <a:p>
             <a:pPr lvl="0"/>
             <a:r>
-              <a:rPr lang="es-ES" smtClean="0"/>
+              <a:rPr lang="es-ES"/>
               <a:t>Haga clic para modificar el estilo de texto del patrón</a:t>
             </a:r>
           </a:p>
@@ -3204,7 +3204,7 @@
           <a:p>
             <a:fld id="{5AE9B9E1-49A6-45B7-B9F9-AD67F0542887}" type="datetimeFigureOut">
               <a:rPr lang="es-MX" smtClean="0"/>
-              <a:t>24/01/2017</a:t>
+              <a:t>24/08/2020</a:t>
             </a:fld>
             <a:endParaRPr lang="es-MX" dirty="0"/>
           </a:p>
@@ -3313,7 +3313,7 @@
           <a:lstStyle/>
           <a:p>
             <a:r>
-              <a:rPr lang="es-ES" smtClean="0"/>
+              <a:rPr lang="es-ES"/>
               <a:t>Haga clic para modificar el estilo de título del patrón</a:t>
             </a:r>
             <a:endParaRPr lang="es-MX"/>
@@ -3347,35 +3347,35 @@
           <a:p>
             <a:pPr lvl="0"/>
             <a:r>
-              <a:rPr lang="es-ES" smtClean="0"/>
+              <a:rPr lang="es-ES"/>
               <a:t>Haga clic para modificar el estilo de texto del patrón</a:t>
             </a:r>
           </a:p>
           <a:p>
             <a:pPr lvl="1"/>
             <a:r>
-              <a:rPr lang="es-ES" smtClean="0"/>
+              <a:rPr lang="es-ES"/>
               <a:t>Segundo nivel</a:t>
             </a:r>
           </a:p>
           <a:p>
             <a:pPr lvl="2"/>
             <a:r>
-              <a:rPr lang="es-ES" smtClean="0"/>
+              <a:rPr lang="es-ES"/>
               <a:t>Tercer nivel</a:t>
             </a:r>
           </a:p>
           <a:p>
             <a:pPr lvl="3"/>
             <a:r>
-              <a:rPr lang="es-ES" smtClean="0"/>
+              <a:rPr lang="es-ES"/>
               <a:t>Cuarto nivel</a:t>
             </a:r>
           </a:p>
           <a:p>
             <a:pPr lvl="4"/>
             <a:r>
-              <a:rPr lang="es-ES" smtClean="0"/>
+              <a:rPr lang="es-ES"/>
               <a:t>Quinto nivel</a:t>
             </a:r>
             <a:endParaRPr lang="es-MX"/>
@@ -3417,7 +3417,7 @@
           <a:p>
             <a:fld id="{5AE9B9E1-49A6-45B7-B9F9-AD67F0542887}" type="datetimeFigureOut">
               <a:rPr lang="es-MX" smtClean="0"/>
-              <a:t>24/01/2017</a:t>
+              <a:t>24/08/2020</a:t>
             </a:fld>
             <a:endParaRPr lang="es-MX" dirty="0"/>
           </a:p>
@@ -3822,7 +3822,7 @@
               <a:defRPr/>
             </a:pPr>
             <a:r>
-              <a:rPr lang="es-MX" sz="3200" dirty="0" smtClean="0">
+              <a:rPr lang="es-MX" sz="3200" dirty="0">
                 <a:solidFill>
                   <a:schemeClr val="bg2">
                     <a:lumMod val="50000"/>
@@ -3832,7 +3832,7 @@
               <a:t>TC1017 </a:t>
             </a:r>
             <a:br>
-              <a:rPr lang="es-MX" sz="3200" dirty="0" smtClean="0">
+              <a:rPr lang="es-MX" sz="3200" dirty="0">
                 <a:solidFill>
                   <a:schemeClr val="bg2">
                     <a:lumMod val="50000"/>
@@ -3841,7 +3841,7 @@
               </a:rPr>
             </a:br>
             <a:r>
-              <a:rPr lang="es-MX" sz="3200" dirty="0" smtClean="0">
+              <a:rPr lang="es-MX" sz="3200" dirty="0">
                 <a:solidFill>
                   <a:schemeClr val="bg2">
                     <a:lumMod val="50000"/>
@@ -3850,13 +3850,6 @@
               </a:rPr>
               <a:t>Solución de problemas con programación</a:t>
             </a:r>
-            <a:endParaRPr lang="es-MX" sz="3200" dirty="0">
-              <a:solidFill>
-                <a:schemeClr val="bg2">
-                  <a:lumMod val="50000"/>
-                </a:schemeClr>
-              </a:solidFill>
-            </a:endParaRPr>
           </a:p>
         </p:txBody>
       </p:sp>
@@ -3886,34 +3879,14 @@
               <a:defRPr/>
             </a:pPr>
             <a:r>
-              <a:rPr lang="es-MX" b="1" dirty="0" smtClean="0">
+              <a:rPr lang="es-MX" b="1" dirty="0">
                 <a:solidFill>
                   <a:schemeClr val="accent4">
                     <a:lumMod val="50000"/>
                   </a:schemeClr>
                 </a:solidFill>
               </a:rPr>
-              <a:t>Sentencia </a:t>
-            </a:r>
-            <a:r>
-              <a:rPr lang="es-MX" b="1" dirty="0">
-                <a:solidFill>
-                  <a:schemeClr val="accent4">
-                    <a:lumMod val="50000"/>
-                  </a:schemeClr>
-                </a:solidFill>
-              </a:rPr>
-              <a:t>de control </a:t>
-            </a:r>
-            <a:r>
-              <a:rPr lang="es-MX" b="1" dirty="0" smtClean="0">
-                <a:solidFill>
-                  <a:schemeClr val="accent4">
-                    <a:lumMod val="50000"/>
-                  </a:schemeClr>
-                </a:solidFill>
-              </a:rPr>
-              <a:t>SWITCH</a:t>
+              <a:t>Sentencia de control SWITCH</a:t>
             </a:r>
           </a:p>
           <a:p>
@@ -3924,7 +3897,7 @@
               <a:defRPr/>
             </a:pPr>
             <a:r>
-              <a:rPr lang="es-MX" sz="2000" dirty="0" smtClean="0">
+              <a:rPr lang="es-MX" sz="2000" dirty="0">
                 <a:solidFill>
                   <a:schemeClr val="accent4">
                     <a:lumMod val="50000"/>
@@ -3933,13 +3906,6 @@
               </a:rPr>
               <a:t>ITESM Campus Querétaro</a:t>
             </a:r>
-            <a:endParaRPr lang="es-MX" sz="2000" dirty="0">
-              <a:solidFill>
-                <a:schemeClr val="accent4">
-                  <a:lumMod val="50000"/>
-                </a:schemeClr>
-              </a:solidFill>
-            </a:endParaRPr>
           </a:p>
         </p:txBody>
       </p:sp>
@@ -3983,13 +3949,6 @@
   <p:clrMapOvr>
     <a:masterClrMapping/>
   </p:clrMapOvr>
-  <p:timing>
-    <p:tnLst>
-      <p:par>
-        <p:cTn id="1" dur="indefinite" restart="never" nodeType="tmRoot"/>
-      </p:par>
-    </p:tnLst>
-  </p:timing>
 </p:sld>
 </file>
 
@@ -4287,7 +4246,7 @@
               <a:defRPr/>
             </a:pPr>
             <a:r>
-              <a:rPr lang="es-ES_tradnl" sz="4000" b="1" dirty="0" smtClean="0">
+              <a:rPr lang="es-ES_tradnl" sz="4000" b="1" dirty="0">
                 <a:solidFill>
                   <a:srgbClr val="0070C0"/>
                 </a:solidFill>
@@ -4300,17 +4259,6 @@
               </a:rPr>
               <a:t>Solución</a:t>
             </a:r>
-            <a:endParaRPr lang="es-ES_tradnl" sz="4000" b="1" dirty="0">
-              <a:solidFill>
-                <a:srgbClr val="0070C0"/>
-              </a:solidFill>
-              <a:effectLst>
-                <a:outerShdw blurRad="38100" dist="38100" dir="2700000" algn="tl">
-                  <a:srgbClr val="C0C0C0"/>
-                </a:outerShdw>
-              </a:effectLst>
-              <a:latin typeface="Dom Casual" charset="0"/>
-            </a:endParaRPr>
           </a:p>
         </p:txBody>
       </p:sp>
@@ -4324,13 +4272,6 @@
   <p:clrMapOvr>
     <a:masterClrMapping/>
   </p:clrMapOvr>
-  <p:timing>
-    <p:tnLst>
-      <p:par>
-        <p:cTn id="1" dur="indefinite" restart="never" nodeType="tmRoot"/>
-      </p:par>
-    </p:tnLst>
-  </p:timing>
 </p:sld>
 </file>
 
@@ -4580,7 +4521,7 @@
               <a:defRPr/>
             </a:pPr>
             <a:r>
-              <a:rPr lang="es-ES_tradnl" sz="4000" b="1" dirty="0" smtClean="0">
+              <a:rPr lang="es-ES_tradnl" sz="4000" b="1" dirty="0">
                 <a:solidFill>
                   <a:srgbClr val="0070C0"/>
                 </a:solidFill>
@@ -4593,17 +4534,6 @@
               </a:rPr>
               <a:t>Solución</a:t>
             </a:r>
-            <a:endParaRPr lang="es-ES_tradnl" sz="4000" b="1" dirty="0">
-              <a:solidFill>
-                <a:srgbClr val="0070C0"/>
-              </a:solidFill>
-              <a:effectLst>
-                <a:outerShdw blurRad="38100" dist="38100" dir="2700000" algn="tl">
-                  <a:srgbClr val="C0C0C0"/>
-                </a:outerShdw>
-              </a:effectLst>
-              <a:latin typeface="Dom Casual" charset="0"/>
-            </a:endParaRPr>
           </a:p>
         </p:txBody>
       </p:sp>
@@ -4617,13 +4547,6 @@
   <p:clrMapOvr>
     <a:masterClrMapping/>
   </p:clrMapOvr>
-  <p:timing>
-    <p:tnLst>
-      <p:par>
-        <p:cTn id="1" dur="indefinite" restart="never" nodeType="tmRoot"/>
-      </p:par>
-    </p:tnLst>
-  </p:timing>
 </p:sld>
 </file>
 
@@ -4654,8 +4577,8 @@
         </p:nvSpPr>
         <p:spPr bwMode="auto">
           <a:xfrm>
-            <a:off x="971600" y="1700808"/>
-            <a:ext cx="6767214" cy="1631216"/>
+            <a:off x="971600" y="1556792"/>
+            <a:ext cx="7272808" cy="1631216"/>
           </a:xfrm>
           <a:prstGeom prst="rect">
             <a:avLst/>
@@ -4681,37 +4604,17 @@
               </a:lnSpc>
             </a:pPr>
             <a:r>
-              <a:rPr lang="es-MX" sz="2800" dirty="0" smtClean="0">
+              <a:rPr lang="es-MX" sz="2800" dirty="0">
                 <a:solidFill>
                   <a:schemeClr val="bg2">
                     <a:lumMod val="25000"/>
                   </a:schemeClr>
                 </a:solidFill>
               </a:rPr>
-              <a:t>Escribir el algoritmo </a:t>
-            </a:r>
-            <a:r>
-              <a:rPr lang="es-MX" sz="2800" dirty="0" smtClean="0">
-                <a:solidFill>
-                  <a:schemeClr val="bg2">
-                    <a:lumMod val="25000"/>
-                  </a:schemeClr>
-                </a:solidFill>
-              </a:rPr>
-              <a:t>que </a:t>
-            </a:r>
-            <a:r>
-              <a:rPr lang="es-MX" sz="2800" dirty="0" smtClean="0">
-                <a:solidFill>
-                  <a:schemeClr val="bg2">
-                    <a:lumMod val="25000"/>
-                  </a:schemeClr>
-                </a:solidFill>
-              </a:rPr>
-              <a:t>identifica si el caracter dado por el usuario </a:t>
-            </a:r>
-            <a:r>
-              <a:rPr lang="es-MX" sz="2800" b="1" dirty="0" smtClean="0">
+              <a:t>Escribir el algoritmo que identifica si el caracter dado por el usuario </a:t>
+            </a:r>
+            <a:r>
+              <a:rPr lang="es-MX" sz="2800" b="1" dirty="0">
                 <a:solidFill>
                   <a:srgbClr val="FF0000"/>
                 </a:solidFill>
@@ -4719,7 +4622,7 @@
               <a:t>es una vocal </a:t>
             </a:r>
             <a:r>
-              <a:rPr lang="es-MX" sz="2800" dirty="0" smtClean="0">
+              <a:rPr lang="es-MX" sz="2800" dirty="0">
                 <a:solidFill>
                   <a:schemeClr val="bg2">
                     <a:lumMod val="25000"/>
@@ -4741,7 +4644,7 @@
         </p:nvSpPr>
         <p:spPr bwMode="auto">
           <a:xfrm>
-            <a:off x="971601" y="476672"/>
+            <a:off x="971601" y="332656"/>
             <a:ext cx="6984775" cy="990600"/>
           </a:xfrm>
           <a:prstGeom prst="rect">
@@ -4764,7 +4667,7 @@
             <a:r>
               <a:rPr lang="es-ES_tradnl" sz="4400" b="1" dirty="0">
                 <a:solidFill>
-                  <a:srgbClr val="D60093"/>
+                  <a:srgbClr val="0070C0"/>
                 </a:solidFill>
                 <a:effectLst>
                   <a:outerShdw blurRad="38100" dist="38100" dir="2700000" algn="tl">
@@ -4773,67 +4676,19 @@
                 </a:effectLst>
                 <a:latin typeface="Dom Casual" charset="0"/>
               </a:rPr>
-              <a:t>Actividad </a:t>
-            </a:r>
-            <a:r>
-              <a:rPr lang="es-ES_tradnl" sz="4400" b="1" dirty="0" smtClean="0">
-                <a:solidFill>
-                  <a:srgbClr val="D60093"/>
-                </a:solidFill>
-                <a:effectLst>
-                  <a:outerShdw blurRad="38100" dist="38100" dir="2700000" algn="tl">
-                    <a:srgbClr val="C0C0C0"/>
-                  </a:outerShdw>
-                </a:effectLst>
-                <a:latin typeface="Dom Casual" charset="0"/>
-              </a:rPr>
-              <a:t>colaborativa</a:t>
-            </a:r>
-          </a:p>
-          <a:p>
-            <a:pPr algn="ctr" eaLnBrk="0" hangingPunct="0"/>
-            <a:r>
-              <a:rPr lang="es-ES_tradnl" sz="2400" b="1" dirty="0" smtClean="0">
-                <a:solidFill>
-                  <a:srgbClr val="0070C0"/>
-                </a:solidFill>
-                <a:effectLst>
-                  <a:outerShdw blurRad="38100" dist="38100" dir="2700000" algn="tl">
-                    <a:srgbClr val="C0C0C0"/>
-                  </a:outerShdw>
-                </a:effectLst>
-                <a:latin typeface="Dom Casual" charset="0"/>
-              </a:rPr>
-              <a:t>(5 </a:t>
-            </a:r>
-            <a:r>
-              <a:rPr lang="es-ES_tradnl" sz="2400" b="1" dirty="0" smtClean="0">
-                <a:solidFill>
-                  <a:srgbClr val="0070C0"/>
-                </a:solidFill>
-                <a:effectLst>
-                  <a:outerShdw blurRad="38100" dist="38100" dir="2700000" algn="tl">
-                    <a:srgbClr val="C0C0C0"/>
-                  </a:outerShdw>
-                </a:effectLst>
-                <a:latin typeface="Dom Casual" charset="0"/>
-              </a:rPr>
-              <a:t>minutos</a:t>
-            </a:r>
-            <a:r>
-              <a:rPr lang="es-ES_tradnl" sz="2400" b="1" dirty="0">
-                <a:solidFill>
-                  <a:srgbClr val="0070C0"/>
-                </a:solidFill>
-                <a:effectLst>
-                  <a:outerShdw blurRad="38100" dist="38100" dir="2700000" algn="tl">
-                    <a:srgbClr val="C0C0C0"/>
-                  </a:outerShdw>
-                </a:effectLst>
-                <a:latin typeface="Dom Casual" charset="0"/>
-              </a:rPr>
-              <a:t>)</a:t>
-            </a:r>
+              <a:t>Actividad Grupal</a:t>
+            </a:r>
+            <a:endParaRPr lang="es-ES_tradnl" sz="2400" b="1" dirty="0">
+              <a:solidFill>
+                <a:srgbClr val="0070C0"/>
+              </a:solidFill>
+              <a:effectLst>
+                <a:outerShdw blurRad="38100" dist="38100" dir="2700000" algn="tl">
+                  <a:srgbClr val="C0C0C0"/>
+                </a:outerShdw>
+              </a:effectLst>
+              <a:latin typeface="Dom Casual" charset="0"/>
+            </a:endParaRPr>
           </a:p>
         </p:txBody>
       </p:sp>
@@ -4860,7 +4715,7 @@
         </p:blipFill>
         <p:spPr bwMode="auto">
           <a:xfrm>
-            <a:off x="2627784" y="3356992"/>
+            <a:off x="2627784" y="3345987"/>
             <a:ext cx="3644625" cy="3035341"/>
           </a:xfrm>
           <a:prstGeom prst="rect">
@@ -5194,7 +5049,7 @@
           <a:p>
             <a:pPr algn="ctr" eaLnBrk="0" hangingPunct="0"/>
             <a:r>
-              <a:rPr lang="es-ES_tradnl" sz="3600" b="1" dirty="0" smtClean="0">
+              <a:rPr lang="es-ES_tradnl" sz="3600" b="1" dirty="0">
                 <a:solidFill>
                   <a:srgbClr val="0070C0"/>
                 </a:solidFill>
@@ -5207,17 +5062,6 @@
               </a:rPr>
               <a:t>Solución</a:t>
             </a:r>
-            <a:endParaRPr lang="es-ES_tradnl" sz="3600" b="1" dirty="0">
-              <a:solidFill>
-                <a:srgbClr val="0070C0"/>
-              </a:solidFill>
-              <a:effectLst>
-                <a:outerShdw blurRad="38100" dist="38100" dir="2700000" algn="tl">
-                  <a:srgbClr val="C0C0C0"/>
-                </a:outerShdw>
-              </a:effectLst>
-              <a:latin typeface="Dom Casual" charset="0"/>
-            </a:endParaRPr>
           </a:p>
         </p:txBody>
       </p:sp>
@@ -5231,13 +5075,6 @@
   <p:clrMapOvr>
     <a:masterClrMapping/>
   </p:clrMapOvr>
-  <p:timing>
-    <p:tnLst>
-      <p:par>
-        <p:cTn id="1" dur="indefinite" restart="never" nodeType="tmRoot"/>
-      </p:par>
-    </p:tnLst>
-  </p:timing>
 </p:sld>
 </file>
 
@@ -5461,7 +5298,7 @@
           <a:p>
             <a:pPr algn="ctr" eaLnBrk="0" hangingPunct="0"/>
             <a:r>
-              <a:rPr lang="es-ES_tradnl" sz="3600" b="1" dirty="0" smtClean="0">
+              <a:rPr lang="es-ES_tradnl" sz="3600" b="1" dirty="0">
                 <a:solidFill>
                   <a:srgbClr val="0070C0"/>
                 </a:solidFill>
@@ -5474,17 +5311,6 @@
               </a:rPr>
               <a:t>Solución</a:t>
             </a:r>
-            <a:endParaRPr lang="es-ES_tradnl" sz="3600" b="1" dirty="0">
-              <a:solidFill>
-                <a:srgbClr val="0070C0"/>
-              </a:solidFill>
-              <a:effectLst>
-                <a:outerShdw blurRad="38100" dist="38100" dir="2700000" algn="tl">
-                  <a:srgbClr val="C0C0C0"/>
-                </a:outerShdw>
-              </a:effectLst>
-              <a:latin typeface="Dom Casual" charset="0"/>
-            </a:endParaRPr>
           </a:p>
         </p:txBody>
       </p:sp>
@@ -5498,13 +5324,6 @@
   <p:clrMapOvr>
     <a:masterClrMapping/>
   </p:clrMapOvr>
-  <p:timing>
-    <p:tnLst>
-      <p:par>
-        <p:cTn id="1" dur="indefinite" restart="never" nodeType="tmRoot"/>
-      </p:par>
-    </p:tnLst>
-  </p:timing>
 </p:sld>
 </file>
 
@@ -5826,8 +5645,20 @@
             <a:tbl>
               <a:tblPr/>
               <a:tblGrid>
-                <a:gridCol w="1109663"/>
-                <a:gridCol w="1023937"/>
+                <a:gridCol w="1109663">
+                  <a:extLst>
+                    <a:ext uri="{9D8B030D-6E8A-4147-A177-3AD203B41FA5}">
+                      <a16:colId xmlns:a16="http://schemas.microsoft.com/office/drawing/2014/main" val="20000"/>
+                    </a:ext>
+                  </a:extLst>
+                </a:gridCol>
+                <a:gridCol w="1023937">
+                  <a:extLst>
+                    <a:ext uri="{9D8B030D-6E8A-4147-A177-3AD203B41FA5}">
+                      <a16:colId xmlns:a16="http://schemas.microsoft.com/office/drawing/2014/main" val="20001"/>
+                    </a:ext>
+                  </a:extLst>
+                </a:gridCol>
               </a:tblGrid>
               <a:tr h="396190">
                 <a:tc>
@@ -5852,7 +5683,7 @@
                         <a:tabLst/>
                       </a:pPr>
                       <a:r>
-                        <a:rPr kumimoji="0" lang="es-MX" sz="2000" b="1" i="0" u="none" strike="noStrike" cap="none" normalizeH="0" baseline="0" dirty="0" smtClean="0">
+                        <a:rPr kumimoji="0" lang="es-MX" sz="2000" b="1" i="0" u="none" strike="noStrike" cap="none" normalizeH="0" baseline="0" dirty="0">
                           <a:ln>
                             <a:noFill/>
                           </a:ln>
@@ -5938,7 +5769,7 @@
                         <a:tabLst/>
                       </a:pPr>
                       <a:r>
-                        <a:rPr kumimoji="0" lang="es-MX" sz="2000" b="1" i="0" u="none" strike="noStrike" cap="none" normalizeH="0" baseline="0" dirty="0" smtClean="0">
+                        <a:rPr kumimoji="0" lang="es-MX" sz="2000" b="1" i="0" u="none" strike="noStrike" cap="none" normalizeH="0" baseline="0" dirty="0">
                           <a:ln>
                             <a:noFill/>
                           </a:ln>
@@ -6002,6 +5833,11 @@
                     </a:solidFill>
                   </a:tcPr>
                 </a:tc>
+                <a:extLst>
+                  <a:ext uri="{0D108BD9-81ED-4DB2-BD59-A6C34878D82A}">
+                    <a16:rowId xmlns:a16="http://schemas.microsoft.com/office/drawing/2014/main" val="10000"/>
+                  </a:ext>
+                </a:extLst>
               </a:tr>
               <a:tr h="365711">
                 <a:tc>
@@ -6026,7 +5862,7 @@
                         <a:tabLst/>
                       </a:pPr>
                       <a:r>
-                        <a:rPr kumimoji="0" lang="es-MX" sz="1600" b="0" i="0" u="none" strike="noStrike" cap="none" normalizeH="0" baseline="0" dirty="0" smtClean="0">
+                        <a:rPr kumimoji="0" lang="es-MX" sz="1600" b="0" i="0" u="none" strike="noStrike" cap="none" normalizeH="0" baseline="0" dirty="0">
                           <a:ln>
                             <a:noFill/>
                           </a:ln>
@@ -6110,7 +5946,7 @@
                         <a:tabLst/>
                       </a:pPr>
                       <a:r>
-                        <a:rPr kumimoji="0" lang="es-MX" sz="1600" b="0" i="0" u="none" strike="noStrike" cap="none" normalizeH="0" baseline="0" dirty="0" smtClean="0">
+                        <a:rPr kumimoji="0" lang="es-MX" sz="1600" b="0" i="0" u="none" strike="noStrike" cap="none" normalizeH="0" baseline="0" dirty="0">
                           <a:ln>
                             <a:noFill/>
                           </a:ln>
@@ -6172,6 +6008,11 @@
                     <a:noFill/>
                   </a:tcPr>
                 </a:tc>
+                <a:extLst>
+                  <a:ext uri="{0D108BD9-81ED-4DB2-BD59-A6C34878D82A}">
+                    <a16:rowId xmlns:a16="http://schemas.microsoft.com/office/drawing/2014/main" val="10001"/>
+                  </a:ext>
+                </a:extLst>
               </a:tr>
               <a:tr h="365711">
                 <a:tc>
@@ -6196,7 +6037,7 @@
                         <a:tabLst/>
                       </a:pPr>
                       <a:r>
-                        <a:rPr kumimoji="0" lang="es-MX" sz="1600" b="0" i="0" u="none" strike="noStrike" cap="none" normalizeH="0" baseline="0" dirty="0" smtClean="0">
+                        <a:rPr kumimoji="0" lang="es-MX" sz="1600" b="0" i="0" u="none" strike="noStrike" cap="none" normalizeH="0" baseline="0" dirty="0">
                           <a:ln>
                             <a:noFill/>
                           </a:ln>
@@ -6280,7 +6121,7 @@
                         <a:tabLst/>
                       </a:pPr>
                       <a:r>
-                        <a:rPr kumimoji="0" lang="es-MX" sz="1600" b="1" i="0" u="none" strike="noStrike" cap="none" normalizeH="0" baseline="0" dirty="0" smtClean="0">
+                        <a:rPr kumimoji="0" lang="es-MX" sz="1600" b="1" i="0" u="none" strike="noStrike" cap="none" normalizeH="0" baseline="0" dirty="0">
                           <a:ln>
                             <a:noFill/>
                           </a:ln>
@@ -6340,6 +6181,11 @@
                     <a:noFill/>
                   </a:tcPr>
                 </a:tc>
+                <a:extLst>
+                  <a:ext uri="{0D108BD9-81ED-4DB2-BD59-A6C34878D82A}">
+                    <a16:rowId xmlns:a16="http://schemas.microsoft.com/office/drawing/2014/main" val="10002"/>
+                  </a:ext>
+                </a:extLst>
               </a:tr>
               <a:tr h="365711">
                 <a:tc>
@@ -6364,7 +6210,7 @@
                         <a:tabLst/>
                       </a:pPr>
                       <a:r>
-                        <a:rPr kumimoji="0" lang="es-MX" sz="1600" b="0" i="0" u="none" strike="noStrike" cap="none" normalizeH="0" baseline="0" dirty="0" smtClean="0">
+                        <a:rPr kumimoji="0" lang="es-MX" sz="1600" b="0" i="0" u="none" strike="noStrike" cap="none" normalizeH="0" baseline="0" dirty="0">
                           <a:ln>
                             <a:noFill/>
                           </a:ln>
@@ -6448,7 +6294,7 @@
                         <a:tabLst/>
                       </a:pPr>
                       <a:r>
-                        <a:rPr kumimoji="0" lang="es-MX" sz="1600" b="0" i="0" u="none" strike="noStrike" cap="none" normalizeH="0" baseline="0" dirty="0" smtClean="0">
+                        <a:rPr kumimoji="0" lang="es-MX" sz="1600" b="0" i="0" u="none" strike="noStrike" cap="none" normalizeH="0" baseline="0" dirty="0">
                           <a:ln>
                             <a:noFill/>
                           </a:ln>
@@ -6510,6 +6356,11 @@
                     <a:noFill/>
                   </a:tcPr>
                 </a:tc>
+                <a:extLst>
+                  <a:ext uri="{0D108BD9-81ED-4DB2-BD59-A6C34878D82A}">
+                    <a16:rowId xmlns:a16="http://schemas.microsoft.com/office/drawing/2014/main" val="10003"/>
+                  </a:ext>
+                </a:extLst>
               </a:tr>
               <a:tr h="365711">
                 <a:tc>
@@ -6534,7 +6385,7 @@
                         <a:tabLst/>
                       </a:pPr>
                       <a:r>
-                        <a:rPr kumimoji="0" lang="es-MX" sz="1600" b="0" i="0" u="none" strike="noStrike" cap="none" normalizeH="0" baseline="0" dirty="0" smtClean="0">
+                        <a:rPr kumimoji="0" lang="es-MX" sz="1600" b="0" i="0" u="none" strike="noStrike" cap="none" normalizeH="0" baseline="0" dirty="0">
                           <a:ln>
                             <a:noFill/>
                           </a:ln>
@@ -6618,7 +6469,7 @@
                         <a:tabLst/>
                       </a:pPr>
                       <a:r>
-                        <a:rPr kumimoji="0" lang="es-MX" sz="1600" b="1" i="0" u="none" strike="noStrike" cap="none" normalizeH="0" baseline="0" dirty="0" smtClean="0">
+                        <a:rPr kumimoji="0" lang="es-MX" sz="1600" b="1" i="0" u="none" strike="noStrike" cap="none" normalizeH="0" baseline="0" dirty="0">
                           <a:ln>
                             <a:noFill/>
                           </a:ln>
@@ -6678,6 +6529,11 @@
                     <a:noFill/>
                   </a:tcPr>
                 </a:tc>
+                <a:extLst>
+                  <a:ext uri="{0D108BD9-81ED-4DB2-BD59-A6C34878D82A}">
+                    <a16:rowId xmlns:a16="http://schemas.microsoft.com/office/drawing/2014/main" val="10004"/>
+                  </a:ext>
+                </a:extLst>
               </a:tr>
               <a:tr h="365711">
                 <a:tc>
@@ -6702,7 +6558,7 @@
                         <a:tabLst/>
                       </a:pPr>
                       <a:r>
-                        <a:rPr kumimoji="0" lang="es-MX" sz="1600" b="0" i="0" u="none" strike="noStrike" cap="none" normalizeH="0" baseline="0" dirty="0" smtClean="0">
+                        <a:rPr kumimoji="0" lang="es-MX" sz="1600" b="0" i="0" u="none" strike="noStrike" cap="none" normalizeH="0" baseline="0" dirty="0">
                           <a:ln>
                             <a:noFill/>
                           </a:ln>
@@ -6786,7 +6642,7 @@
                         <a:tabLst/>
                       </a:pPr>
                       <a:r>
-                        <a:rPr kumimoji="0" lang="es-MX" sz="1600" b="0" i="0" u="none" strike="noStrike" cap="none" normalizeH="0" baseline="0" dirty="0" smtClean="0">
+                        <a:rPr kumimoji="0" lang="es-MX" sz="1600" b="0" i="0" u="none" strike="noStrike" cap="none" normalizeH="0" baseline="0" dirty="0">
                           <a:ln>
                             <a:noFill/>
                           </a:ln>
@@ -6848,6 +6704,11 @@
                     <a:noFill/>
                   </a:tcPr>
                 </a:tc>
+                <a:extLst>
+                  <a:ext uri="{0D108BD9-81ED-4DB2-BD59-A6C34878D82A}">
+                    <a16:rowId xmlns:a16="http://schemas.microsoft.com/office/drawing/2014/main" val="10005"/>
+                  </a:ext>
+                </a:extLst>
               </a:tr>
               <a:tr h="365711">
                 <a:tc>
@@ -6872,7 +6733,7 @@
                         <a:tabLst/>
                       </a:pPr>
                       <a:r>
-                        <a:rPr kumimoji="0" lang="es-MX" sz="1600" b="0" i="0" u="none" strike="noStrike" cap="none" normalizeH="0" baseline="0" dirty="0" smtClean="0">
+                        <a:rPr kumimoji="0" lang="es-MX" sz="1600" b="0" i="0" u="none" strike="noStrike" cap="none" normalizeH="0" baseline="0" dirty="0">
                           <a:ln>
                             <a:noFill/>
                           </a:ln>
@@ -6956,7 +6817,7 @@
                         <a:tabLst/>
                       </a:pPr>
                       <a:r>
-                        <a:rPr kumimoji="0" lang="es-MX" sz="1600" b="1" i="0" u="none" strike="noStrike" cap="none" normalizeH="0" baseline="0" dirty="0" smtClean="0">
+                        <a:rPr kumimoji="0" lang="es-MX" sz="1600" b="1" i="0" u="none" strike="noStrike" cap="none" normalizeH="0" baseline="0" dirty="0">
                           <a:ln>
                             <a:noFill/>
                           </a:ln>
@@ -7016,6 +6877,11 @@
                     <a:noFill/>
                   </a:tcPr>
                 </a:tc>
+                <a:extLst>
+                  <a:ext uri="{0D108BD9-81ED-4DB2-BD59-A6C34878D82A}">
+                    <a16:rowId xmlns:a16="http://schemas.microsoft.com/office/drawing/2014/main" val="10006"/>
+                  </a:ext>
+                </a:extLst>
               </a:tr>
               <a:tr h="365711">
                 <a:tc>
@@ -7040,7 +6906,7 @@
                         <a:tabLst/>
                       </a:pPr>
                       <a:r>
-                        <a:rPr kumimoji="0" lang="es-MX" sz="1600" b="0" i="0" u="none" strike="noStrike" cap="none" normalizeH="0" baseline="0" dirty="0" smtClean="0">
+                        <a:rPr kumimoji="0" lang="es-MX" sz="1600" b="0" i="0" u="none" strike="noStrike" cap="none" normalizeH="0" baseline="0" dirty="0">
                           <a:ln>
                             <a:noFill/>
                           </a:ln>
@@ -7124,7 +6990,7 @@
                         <a:tabLst/>
                       </a:pPr>
                       <a:r>
-                        <a:rPr kumimoji="0" lang="es-MX" sz="1600" b="0" i="0" u="none" strike="noStrike" cap="none" normalizeH="0" baseline="0" dirty="0" smtClean="0">
+                        <a:rPr kumimoji="0" lang="es-MX" sz="1600" b="0" i="0" u="none" strike="noStrike" cap="none" normalizeH="0" baseline="0" dirty="0">
                           <a:ln>
                             <a:noFill/>
                           </a:ln>
@@ -7186,6 +7052,11 @@
                     <a:noFill/>
                   </a:tcPr>
                 </a:tc>
+                <a:extLst>
+                  <a:ext uri="{0D108BD9-81ED-4DB2-BD59-A6C34878D82A}">
+                    <a16:rowId xmlns:a16="http://schemas.microsoft.com/office/drawing/2014/main" val="10007"/>
+                  </a:ext>
+                </a:extLst>
               </a:tr>
               <a:tr h="365711">
                 <a:tc>
@@ -7210,7 +7081,7 @@
                         <a:tabLst/>
                       </a:pPr>
                       <a:r>
-                        <a:rPr kumimoji="0" lang="es-MX" sz="1600" b="0" i="0" u="none" strike="noStrike" cap="none" normalizeH="0" baseline="0" dirty="0" smtClean="0">
+                        <a:rPr kumimoji="0" lang="es-MX" sz="1600" b="0" i="0" u="none" strike="noStrike" cap="none" normalizeH="0" baseline="0" dirty="0">
                           <a:ln>
                             <a:noFill/>
                           </a:ln>
@@ -7294,7 +7165,7 @@
                         <a:tabLst/>
                       </a:pPr>
                       <a:r>
-                        <a:rPr kumimoji="0" lang="es-MX" sz="1600" b="0" i="0" u="none" strike="noStrike" cap="none" normalizeH="0" baseline="0" dirty="0" smtClean="0">
+                        <a:rPr kumimoji="0" lang="es-MX" sz="1600" b="0" i="0" u="none" strike="noStrike" cap="none" normalizeH="0" baseline="0" dirty="0">
                           <a:ln>
                             <a:noFill/>
                           </a:ln>
@@ -7356,6 +7227,11 @@
                     <a:noFill/>
                   </a:tcPr>
                 </a:tc>
+                <a:extLst>
+                  <a:ext uri="{0D108BD9-81ED-4DB2-BD59-A6C34878D82A}">
+                    <a16:rowId xmlns:a16="http://schemas.microsoft.com/office/drawing/2014/main" val="10008"/>
+                  </a:ext>
+                </a:extLst>
               </a:tr>
               <a:tr h="365711">
                 <a:tc>
@@ -7380,7 +7256,7 @@
                         <a:tabLst/>
                       </a:pPr>
                       <a:r>
-                        <a:rPr kumimoji="0" lang="es-MX" sz="1600" b="0" i="0" u="none" strike="noStrike" cap="none" normalizeH="0" baseline="0" dirty="0" smtClean="0">
+                        <a:rPr kumimoji="0" lang="es-MX" sz="1600" b="0" i="0" u="none" strike="noStrike" cap="none" normalizeH="0" baseline="0" dirty="0">
                           <a:ln>
                             <a:noFill/>
                           </a:ln>
@@ -7464,7 +7340,7 @@
                         <a:tabLst/>
                       </a:pPr>
                       <a:r>
-                        <a:rPr kumimoji="0" lang="es-MX" sz="1600" b="1" i="0" u="none" strike="noStrike" cap="none" normalizeH="0" baseline="0" dirty="0" smtClean="0">
+                        <a:rPr kumimoji="0" lang="es-MX" sz="1600" b="1" i="0" u="none" strike="noStrike" cap="none" normalizeH="0" baseline="0" dirty="0">
                           <a:ln>
                             <a:noFill/>
                           </a:ln>
@@ -7524,6 +7400,11 @@
                     <a:noFill/>
                   </a:tcPr>
                 </a:tc>
+                <a:extLst>
+                  <a:ext uri="{0D108BD9-81ED-4DB2-BD59-A6C34878D82A}">
+                    <a16:rowId xmlns:a16="http://schemas.microsoft.com/office/drawing/2014/main" val="10009"/>
+                  </a:ext>
+                </a:extLst>
               </a:tr>
               <a:tr h="365711">
                 <a:tc>
@@ -7548,7 +7429,7 @@
                         <a:tabLst/>
                       </a:pPr>
                       <a:r>
-                        <a:rPr kumimoji="0" lang="es-MX" sz="1600" b="0" i="0" u="none" strike="noStrike" cap="none" normalizeH="0" baseline="0" dirty="0" smtClean="0">
+                        <a:rPr kumimoji="0" lang="es-MX" sz="1600" b="0" i="0" u="none" strike="noStrike" cap="none" normalizeH="0" baseline="0" dirty="0">
                           <a:ln>
                             <a:noFill/>
                           </a:ln>
@@ -7632,7 +7513,7 @@
                         <a:tabLst/>
                       </a:pPr>
                       <a:r>
-                        <a:rPr kumimoji="0" lang="es-MX" sz="1600" b="0" i="0" u="none" strike="noStrike" cap="none" normalizeH="0" baseline="0" dirty="0" smtClean="0">
+                        <a:rPr kumimoji="0" lang="es-MX" sz="1600" b="0" i="0" u="none" strike="noStrike" cap="none" normalizeH="0" baseline="0" dirty="0">
                           <a:ln>
                             <a:noFill/>
                           </a:ln>
@@ -7694,6 +7575,11 @@
                     <a:noFill/>
                   </a:tcPr>
                 </a:tc>
+                <a:extLst>
+                  <a:ext uri="{0D108BD9-81ED-4DB2-BD59-A6C34878D82A}">
+                    <a16:rowId xmlns:a16="http://schemas.microsoft.com/office/drawing/2014/main" val="10010"/>
+                  </a:ext>
+                </a:extLst>
               </a:tr>
               <a:tr h="365711">
                 <a:tc>
@@ -7718,7 +7604,7 @@
                         <a:tabLst/>
                       </a:pPr>
                       <a:r>
-                        <a:rPr kumimoji="0" lang="es-MX" sz="1600" b="0" i="0" u="none" strike="noStrike" cap="none" normalizeH="0" baseline="0" dirty="0" smtClean="0">
+                        <a:rPr kumimoji="0" lang="es-MX" sz="1600" b="0" i="0" u="none" strike="noStrike" cap="none" normalizeH="0" baseline="0" dirty="0">
                           <a:ln>
                             <a:noFill/>
                           </a:ln>
@@ -7802,7 +7688,7 @@
                         <a:tabLst/>
                       </a:pPr>
                       <a:r>
-                        <a:rPr kumimoji="0" lang="es-MX" sz="1600" b="1" i="0" u="none" strike="noStrike" cap="none" normalizeH="0" baseline="0" dirty="0" smtClean="0">
+                        <a:rPr kumimoji="0" lang="es-MX" sz="1600" b="1" i="0" u="none" strike="noStrike" cap="none" normalizeH="0" baseline="0" dirty="0">
                           <a:ln>
                             <a:noFill/>
                           </a:ln>
@@ -7862,6 +7748,11 @@
                     <a:noFill/>
                   </a:tcPr>
                 </a:tc>
+                <a:extLst>
+                  <a:ext uri="{0D108BD9-81ED-4DB2-BD59-A6C34878D82A}">
+                    <a16:rowId xmlns:a16="http://schemas.microsoft.com/office/drawing/2014/main" val="10011"/>
+                  </a:ext>
+                </a:extLst>
               </a:tr>
               <a:tr h="365711">
                 <a:tc>
@@ -7886,7 +7777,7 @@
                         <a:tabLst/>
                       </a:pPr>
                       <a:r>
-                        <a:rPr kumimoji="0" lang="es-MX" sz="1600" b="0" i="0" u="none" strike="noStrike" cap="none" normalizeH="0" baseline="0" dirty="0" smtClean="0">
+                        <a:rPr kumimoji="0" lang="es-MX" sz="1600" b="0" i="0" u="none" strike="noStrike" cap="none" normalizeH="0" baseline="0" dirty="0">
                           <a:ln>
                             <a:noFill/>
                           </a:ln>
@@ -7970,7 +7861,7 @@
                         <a:tabLst/>
                       </a:pPr>
                       <a:r>
-                        <a:rPr kumimoji="0" lang="es-MX" sz="1600" b="0" i="0" u="none" strike="noStrike" cap="none" normalizeH="0" baseline="0" dirty="0" smtClean="0">
+                        <a:rPr kumimoji="0" lang="es-MX" sz="1600" b="0" i="0" u="none" strike="noStrike" cap="none" normalizeH="0" baseline="0" dirty="0">
                           <a:ln>
                             <a:noFill/>
                           </a:ln>
@@ -8032,6 +7923,11 @@
                     <a:noFill/>
                   </a:tcPr>
                 </a:tc>
+                <a:extLst>
+                  <a:ext uri="{0D108BD9-81ED-4DB2-BD59-A6C34878D82A}">
+                    <a16:rowId xmlns:a16="http://schemas.microsoft.com/office/drawing/2014/main" val="10012"/>
+                  </a:ext>
+                </a:extLst>
               </a:tr>
             </a:tbl>
           </a:graphicData>
@@ -8106,33 +8002,8 @@
                 </a:effectLst>
                 <a:latin typeface="Dom Casual" charset="0"/>
               </a:rPr>
-              <a:t>Actividad </a:t>
-            </a:r>
-            <a:r>
-              <a:rPr lang="es-ES_tradnl" sz="4400" b="1" dirty="0" smtClean="0">
-                <a:solidFill>
-                  <a:srgbClr val="0070C0"/>
-                </a:solidFill>
-                <a:effectLst>
-                  <a:outerShdw blurRad="38100" dist="38100" dir="2700000" algn="tl">
-                    <a:srgbClr val="C0C0C0"/>
-                  </a:outerShdw>
-                </a:effectLst>
-                <a:latin typeface="Dom Casual" charset="0"/>
-              </a:rPr>
-              <a:t>Grupal</a:t>
-            </a:r>
-            <a:endParaRPr lang="es-ES_tradnl" sz="4400" b="1" dirty="0">
-              <a:solidFill>
-                <a:srgbClr val="0070C0"/>
-              </a:solidFill>
-              <a:effectLst>
-                <a:outerShdw blurRad="38100" dist="38100" dir="2700000" algn="tl">
-                  <a:srgbClr val="C0C0C0"/>
-                </a:outerShdw>
-              </a:effectLst>
-              <a:latin typeface="Dom Casual" charset="0"/>
-            </a:endParaRPr>
+              <a:t>Actividad Grupal</a:t>
+            </a:r>
           </a:p>
         </p:txBody>
       </p:sp>
@@ -8546,7 +8417,7 @@
           <a:p>
             <a:pPr algn="ctr" eaLnBrk="0" hangingPunct="0"/>
             <a:r>
-              <a:rPr lang="es-ES_tradnl" sz="3600" b="1" dirty="0" smtClean="0">
+              <a:rPr lang="es-ES_tradnl" sz="3600" b="1" dirty="0">
                 <a:solidFill>
                   <a:srgbClr val="0070C0"/>
                 </a:solidFill>
@@ -8559,17 +8430,6 @@
               </a:rPr>
               <a:t>Solución</a:t>
             </a:r>
-            <a:endParaRPr lang="es-ES_tradnl" sz="3600" b="1" dirty="0">
-              <a:solidFill>
-                <a:srgbClr val="0070C0"/>
-              </a:solidFill>
-              <a:effectLst>
-                <a:outerShdw blurRad="38100" dist="38100" dir="2700000" algn="tl">
-                  <a:srgbClr val="C0C0C0"/>
-                </a:outerShdw>
-              </a:effectLst>
-              <a:latin typeface="Dom Casual" charset="0"/>
-            </a:endParaRPr>
           </a:p>
         </p:txBody>
       </p:sp>
@@ -8583,13 +8443,6 @@
   <p:clrMapOvr>
     <a:masterClrMapping/>
   </p:clrMapOvr>
-  <p:timing>
-    <p:tnLst>
-      <p:par>
-        <p:cTn id="1" dur="indefinite" restart="never" nodeType="tmRoot"/>
-      </p:par>
-    </p:tnLst>
-  </p:timing>
 </p:sld>
 </file>
 
@@ -8812,7 +8665,7 @@
           <a:p>
             <a:pPr algn="ctr" eaLnBrk="0" hangingPunct="0"/>
             <a:r>
-              <a:rPr lang="es-ES_tradnl" sz="3600" b="1" dirty="0" smtClean="0">
+              <a:rPr lang="es-ES_tradnl" sz="3600" b="1" dirty="0">
                 <a:solidFill>
                   <a:srgbClr val="0070C0"/>
                 </a:solidFill>
@@ -8825,17 +8678,6 @@
               </a:rPr>
               <a:t>Solución</a:t>
             </a:r>
-            <a:endParaRPr lang="es-ES_tradnl" sz="3600" b="1" dirty="0">
-              <a:solidFill>
-                <a:srgbClr val="0070C0"/>
-              </a:solidFill>
-              <a:effectLst>
-                <a:outerShdw blurRad="38100" dist="38100" dir="2700000" algn="tl">
-                  <a:srgbClr val="C0C0C0"/>
-                </a:outerShdw>
-              </a:effectLst>
-              <a:latin typeface="Dom Casual" charset="0"/>
-            </a:endParaRPr>
           </a:p>
         </p:txBody>
       </p:sp>
@@ -8849,13 +8691,6 @@
   <p:clrMapOvr>
     <a:masterClrMapping/>
   </p:clrMapOvr>
-  <p:timing>
-    <p:tnLst>
-      <p:par>
-        <p:cTn id="1" dur="indefinite" restart="never" nodeType="tmRoot"/>
-      </p:par>
-    </p:tnLst>
-  </p:timing>
 </p:sld>
 </file>
 
@@ -8941,24 +8776,14 @@
               </a:lnSpc>
             </a:pPr>
             <a:r>
-              <a:rPr lang="es-ES_tradnl" sz="2900" dirty="0" smtClean="0">
+              <a:rPr lang="es-ES_tradnl" sz="2900" dirty="0">
                 <a:solidFill>
                   <a:schemeClr val="bg2">
                     <a:lumMod val="25000"/>
                   </a:schemeClr>
                 </a:solidFill>
               </a:rPr>
-              <a:t>La </a:t>
-            </a:r>
-            <a:r>
-              <a:rPr lang="es-ES_tradnl" sz="2900" dirty="0">
-                <a:solidFill>
-                  <a:schemeClr val="bg2">
-                    <a:lumMod val="25000"/>
-                  </a:schemeClr>
-                </a:solidFill>
-              </a:rPr>
-              <a:t>sentencia de control IF</a:t>
+              <a:t>La sentencia de control IF</a:t>
             </a:r>
           </a:p>
           <a:p>
@@ -8975,17 +8800,7 @@
                   </a:schemeClr>
                 </a:solidFill>
               </a:rPr>
-              <a:t>IF simple y </a:t>
-            </a:r>
-            <a:r>
-              <a:rPr lang="es-ES_tradnl" sz="2900" dirty="0" smtClean="0">
-                <a:solidFill>
-                  <a:schemeClr val="bg2">
-                    <a:lumMod val="25000"/>
-                  </a:schemeClr>
-                </a:solidFill>
-              </a:rPr>
-              <a:t>anidado</a:t>
+              <a:t>IF simple y anidado</a:t>
             </a:r>
             <a:endParaRPr lang="es-ES_tradnl" sz="2800" dirty="0">
               <a:solidFill>
@@ -10188,7 +10003,7 @@
               <a:t> o </a:t>
             </a:r>
             <a:r>
-              <a:rPr lang="es-ES_tradnl" sz="2800" b="1" dirty="0" smtClean="0">
+              <a:rPr lang="es-ES_tradnl" sz="2800" b="1" dirty="0">
                 <a:solidFill>
                   <a:schemeClr val="bg2">
                     <a:lumMod val="25000"/>
@@ -11000,7 +10815,7 @@
               </a:spcBef>
             </a:pPr>
             <a:r>
-              <a:rPr lang="es-ES_tradnl" sz="2200" dirty="0" smtClean="0">
+              <a:rPr lang="es-ES_tradnl" sz="2200" dirty="0">
                 <a:solidFill>
                   <a:schemeClr val="bg2">
                     <a:lumMod val="25000"/>
@@ -11012,7 +10827,7 @@
               <a:t>La sentencia </a:t>
             </a:r>
             <a:r>
-              <a:rPr lang="es-ES_tradnl" sz="2200" b="1" dirty="0" smtClean="0">
+              <a:rPr lang="es-ES_tradnl" sz="2200" b="1" dirty="0">
                 <a:solidFill>
                   <a:srgbClr val="3333CC"/>
                 </a:solidFill>
@@ -11022,14 +10837,14 @@
               <a:t>switch</a:t>
             </a:r>
             <a:r>
-              <a:rPr lang="es-ES_tradnl" sz="2200" dirty="0" smtClean="0">
+              <a:rPr lang="es-ES_tradnl" sz="2200" dirty="0">
                 <a:latin typeface="Arial" pitchFamily="34" charset="0"/>
                 <a:cs typeface="Arial" pitchFamily="34" charset="0"/>
               </a:rPr>
               <a:t> </a:t>
             </a:r>
             <a:r>
-              <a:rPr lang="es-ES_tradnl" sz="2200" dirty="0" smtClean="0">
+              <a:rPr lang="es-ES_tradnl" sz="2200" dirty="0">
                 <a:solidFill>
                   <a:schemeClr val="bg2">
                     <a:lumMod val="25000"/>
@@ -11041,7 +10856,7 @@
               <a:t>evalúa la expresión entre paréntesis y compara su valor con las constantes de cada </a:t>
             </a:r>
             <a:r>
-              <a:rPr lang="es-ES_tradnl" sz="2200" b="1" i="1" dirty="0" smtClean="0">
+              <a:rPr lang="es-ES_tradnl" sz="2200" b="1" i="1" dirty="0">
                 <a:solidFill>
                   <a:schemeClr val="bg2">
                     <a:lumMod val="25000"/>
@@ -11053,7 +10868,7 @@
               <a:t>case</a:t>
             </a:r>
             <a:r>
-              <a:rPr lang="es-ES_tradnl" sz="2200" dirty="0" smtClean="0">
+              <a:rPr lang="es-ES_tradnl" sz="2200" dirty="0">
                 <a:solidFill>
                   <a:schemeClr val="bg2">
                     <a:lumMod val="25000"/>
@@ -11075,7 +10890,7 @@
               </a:spcBef>
             </a:pPr>
             <a:r>
-              <a:rPr lang="es-ES_tradnl" sz="2200" dirty="0" smtClean="0">
+              <a:rPr lang="es-ES_tradnl" sz="2200" dirty="0">
                 <a:solidFill>
                   <a:schemeClr val="bg2">
                     <a:lumMod val="25000"/>
@@ -11087,7 +10902,7 @@
               <a:t>La ejecución de las sentencias del cuerpo de la sentencia </a:t>
             </a:r>
             <a:r>
-              <a:rPr lang="es-ES_tradnl" sz="2200" b="1" dirty="0" smtClean="0">
+              <a:rPr lang="es-ES_tradnl" sz="2200" b="1" dirty="0">
                 <a:solidFill>
                   <a:srgbClr val="3333CC"/>
                 </a:solidFill>
@@ -11097,14 +10912,14 @@
               <a:t>switch</a:t>
             </a:r>
             <a:r>
-              <a:rPr lang="es-ES_tradnl" sz="2200" dirty="0" smtClean="0">
+              <a:rPr lang="es-ES_tradnl" sz="2200" dirty="0">
                 <a:latin typeface="Arial" pitchFamily="34" charset="0"/>
                 <a:cs typeface="Arial" pitchFamily="34" charset="0"/>
               </a:rPr>
               <a:t> </a:t>
             </a:r>
             <a:r>
-              <a:rPr lang="es-ES_tradnl" sz="2200" dirty="0" smtClean="0">
+              <a:rPr lang="es-ES_tradnl" sz="2200" dirty="0">
                 <a:solidFill>
                   <a:schemeClr val="bg2">
                     <a:lumMod val="25000"/>
@@ -11116,7 +10931,7 @@
               <a:t>comienza en el </a:t>
             </a:r>
             <a:r>
-              <a:rPr lang="es-ES_tradnl" sz="2200" b="1" i="1" dirty="0" smtClean="0">
+              <a:rPr lang="es-ES_tradnl" sz="2200" b="1" i="1" dirty="0">
                 <a:solidFill>
                   <a:schemeClr val="bg2">
                     <a:lumMod val="25000"/>
@@ -11128,7 +10943,7 @@
               <a:t>case</a:t>
             </a:r>
             <a:r>
-              <a:rPr lang="es-ES_tradnl" sz="2200" dirty="0" smtClean="0">
+              <a:rPr lang="es-ES_tradnl" sz="2200" dirty="0">
                 <a:solidFill>
                   <a:schemeClr val="bg2">
                     <a:lumMod val="25000"/>
@@ -11140,7 +10955,7 @@
               <a:t> cuya constante coincida con el valor de la </a:t>
             </a:r>
             <a:r>
-              <a:rPr lang="es-ES_tradnl" sz="2200" b="1" dirty="0" smtClean="0">
+              <a:rPr lang="es-ES_tradnl" sz="2200" b="1" dirty="0">
                 <a:solidFill>
                   <a:srgbClr val="00CC00"/>
                 </a:solidFill>
@@ -11150,14 +10965,14 @@
               <a:t>expr-test</a:t>
             </a:r>
             <a:r>
-              <a:rPr lang="es-ES_tradnl" sz="2200" dirty="0" smtClean="0">
+              <a:rPr lang="es-ES_tradnl" sz="2200" dirty="0">
                 <a:latin typeface="Arial" pitchFamily="34" charset="0"/>
                 <a:cs typeface="Arial" pitchFamily="34" charset="0"/>
               </a:rPr>
               <a:t> </a:t>
             </a:r>
             <a:r>
-              <a:rPr lang="es-ES_tradnl" sz="2200" dirty="0" smtClean="0">
+              <a:rPr lang="es-ES_tradnl" sz="2200" dirty="0">
                 <a:solidFill>
                   <a:schemeClr val="bg2">
                     <a:lumMod val="25000"/>
@@ -11169,7 +10984,7 @@
               <a:t>y continúa hasta el final del cuerpo o hasta el </a:t>
             </a:r>
             <a:r>
-              <a:rPr lang="es-ES_tradnl" sz="2200" b="1" i="1" dirty="0" smtClean="0">
+              <a:rPr lang="es-ES_tradnl" sz="2200" b="1" i="1" dirty="0">
                 <a:solidFill>
                   <a:schemeClr val="bg2">
                     <a:lumMod val="25000"/>
@@ -11181,7 +10996,7 @@
               <a:t>break</a:t>
             </a:r>
             <a:r>
-              <a:rPr lang="es-ES_tradnl" sz="2200" dirty="0" smtClean="0">
+              <a:rPr lang="es-ES_tradnl" sz="2200" dirty="0">
                 <a:solidFill>
                   <a:schemeClr val="bg2">
                     <a:lumMod val="25000"/>
@@ -11203,7 +11018,7 @@
               </a:spcBef>
             </a:pPr>
             <a:r>
-              <a:rPr lang="es-ES_tradnl" sz="2200" dirty="0" smtClean="0">
+              <a:rPr lang="es-ES_tradnl" sz="2200" dirty="0">
                 <a:solidFill>
                   <a:schemeClr val="bg2">
                     <a:lumMod val="25000"/>
@@ -11215,7 +11030,7 @@
               <a:t>La sentencia </a:t>
             </a:r>
             <a:r>
-              <a:rPr lang="es-ES_tradnl" sz="2200" b="1" dirty="0" smtClean="0">
+              <a:rPr lang="es-ES_tradnl" sz="2200" b="1" dirty="0">
                 <a:solidFill>
                   <a:srgbClr val="3333CC"/>
                 </a:solidFill>
@@ -11225,14 +11040,14 @@
               <a:t>switch</a:t>
             </a:r>
             <a:r>
-              <a:rPr lang="es-ES_tradnl" sz="2200" dirty="0" smtClean="0">
+              <a:rPr lang="es-ES_tradnl" sz="2200" dirty="0">
                 <a:latin typeface="Arial" pitchFamily="34" charset="0"/>
                 <a:cs typeface="Arial" pitchFamily="34" charset="0"/>
               </a:rPr>
               <a:t> </a:t>
             </a:r>
             <a:r>
-              <a:rPr lang="es-ES_tradnl" sz="2200" dirty="0" smtClean="0">
+              <a:rPr lang="es-ES_tradnl" sz="2200" dirty="0">
                 <a:solidFill>
                   <a:schemeClr val="bg2">
                     <a:lumMod val="25000"/>
@@ -11244,7 +11059,7 @@
               <a:t>puede tener cualquier número de cláusulas </a:t>
             </a:r>
             <a:r>
-              <a:rPr lang="es-ES_tradnl" sz="2200" b="1" i="1" dirty="0" smtClean="0">
+              <a:rPr lang="es-ES_tradnl" sz="2200" b="1" i="1" dirty="0">
                 <a:solidFill>
                   <a:schemeClr val="bg2">
                     <a:lumMod val="25000"/>
@@ -11256,7 +11071,7 @@
               <a:t>case</a:t>
             </a:r>
             <a:r>
-              <a:rPr lang="es-ES_tradnl" sz="2200" dirty="0" smtClean="0">
+              <a:rPr lang="es-ES_tradnl" sz="2200" dirty="0">
                 <a:solidFill>
                   <a:schemeClr val="bg2">
                     <a:lumMod val="25000"/>
@@ -11310,13 +11125,6 @@
   <p:clrMapOvr>
     <a:masterClrMapping/>
   </p:clrMapOvr>
-  <p:timing>
-    <p:tnLst>
-      <p:par>
-        <p:cTn id="1" dur="indefinite" restart="never" nodeType="tmRoot"/>
-      </p:par>
-    </p:tnLst>
-  </p:timing>
 </p:sld>
 </file>
 
@@ -11361,7 +11169,7 @@
               <a:defRPr/>
             </a:pPr>
             <a:r>
-              <a:rPr lang="es-MX" b="1" dirty="0" smtClean="0">
+              <a:rPr lang="es-MX" b="1" dirty="0">
                 <a:solidFill>
                   <a:schemeClr val="accent4">
                     <a:lumMod val="50000"/>
@@ -11377,7 +11185,7 @@
               <a:t>Estatuto</a:t>
             </a:r>
             <a:r>
-              <a:rPr lang="es-MX" b="1" dirty="0" smtClean="0">
+              <a:rPr lang="es-MX" b="1" dirty="0">
                 <a:solidFill>
                   <a:schemeClr val="accent4">
                     <a:lumMod val="50000"/>
@@ -11392,7 +11200,7 @@
               <a:t> </a:t>
             </a:r>
             <a:r>
-              <a:rPr lang="es-MX" b="1" dirty="0" smtClean="0">
+              <a:rPr lang="es-MX" b="1" dirty="0">
                 <a:solidFill>
                   <a:schemeClr val="accent4">
                     <a:lumMod val="50000"/>
@@ -11407,7 +11215,7 @@
               </a:rPr>
               <a:t>SWITCH</a:t>
             </a:r>
-            <a:endParaRPr lang="es-ES" b="1" dirty="0" smtClean="0">
+            <a:endParaRPr lang="es-ES" b="1" dirty="0">
               <a:solidFill>
                 <a:schemeClr val="accent4">
                   <a:lumMod val="50000"/>
@@ -11451,11 +11259,11 @@
               <a:buNone/>
             </a:pPr>
             <a:r>
-              <a:rPr lang="es-ES_tradnl" sz="2800" dirty="0" smtClean="0"/>
+              <a:rPr lang="es-ES_tradnl" sz="2800" dirty="0"/>
               <a:t>    </a:t>
             </a:r>
             <a:r>
-              <a:rPr lang="es-ES_tradnl" sz="2400" dirty="0" smtClean="0">
+              <a:rPr lang="es-ES_tradnl" sz="2400" dirty="0">
                 <a:solidFill>
                   <a:schemeClr val="bg2">
                     <a:lumMod val="25000"/>
@@ -11467,7 +11275,7 @@
               <a:t>Si no existe un valor igual al de la </a:t>
             </a:r>
             <a:r>
-              <a:rPr lang="es-ES_tradnl" sz="2400" b="1" i="1" dirty="0" smtClean="0">
+              <a:rPr lang="es-ES_tradnl" sz="2400" b="1" i="1" dirty="0">
                 <a:solidFill>
                   <a:srgbClr val="00CC00"/>
                 </a:solidFill>
@@ -11477,14 +11285,14 @@
               <a:t>expr-test</a:t>
             </a:r>
             <a:r>
-              <a:rPr lang="es-ES_tradnl" sz="2400" dirty="0" smtClean="0">
+              <a:rPr lang="es-ES_tradnl" sz="2400" dirty="0">
                 <a:latin typeface="Arial" pitchFamily="34" charset="0"/>
                 <a:cs typeface="Arial" pitchFamily="34" charset="0"/>
               </a:rPr>
               <a:t>, </a:t>
             </a:r>
             <a:r>
-              <a:rPr lang="es-ES_tradnl" sz="2400" dirty="0" smtClean="0">
+              <a:rPr lang="es-ES_tradnl" sz="2400" dirty="0">
                 <a:solidFill>
                   <a:schemeClr val="bg2">
                     <a:lumMod val="25000"/>
@@ -11496,7 +11304,7 @@
               <a:t>entonces se ejecutan las instrucciones a continuación de </a:t>
             </a:r>
             <a:r>
-              <a:rPr lang="es-ES_tradnl" sz="2400" b="1" dirty="0" smtClean="0">
+              <a:rPr lang="es-ES_tradnl" sz="2400" b="1" dirty="0">
                 <a:solidFill>
                   <a:schemeClr val="bg2">
                     <a:lumMod val="25000"/>
@@ -11508,7 +11316,7 @@
               <a:t>default</a:t>
             </a:r>
             <a:r>
-              <a:rPr lang="es-ES_tradnl" sz="2400" dirty="0" smtClean="0">
+              <a:rPr lang="es-ES_tradnl" sz="2400" dirty="0">
                 <a:solidFill>
                   <a:schemeClr val="bg2">
                     <a:lumMod val="25000"/>
@@ -11526,7 +11334,7 @@
                 <a:spcPct val="130000"/>
               </a:lnSpc>
             </a:pPr>
-            <a:endParaRPr lang="es-ES" sz="2800" dirty="0" smtClean="0"/>
+            <a:endParaRPr lang="es-ES" sz="2800" dirty="0"/>
           </a:p>
         </p:txBody>
       </p:sp>
@@ -11570,13 +11378,6 @@
   <p:clrMapOvr>
     <a:masterClrMapping/>
   </p:clrMapOvr>
-  <p:timing>
-    <p:tnLst>
-      <p:par>
-        <p:cTn id="1" dur="indefinite" restart="never" nodeType="tmRoot"/>
-      </p:par>
-    </p:tnLst>
-  </p:timing>
 </p:sld>
 </file>
 
@@ -11666,33 +11467,8 @@
                 </a:effectLst>
                 <a:latin typeface="Dom Casual" charset="0"/>
               </a:rPr>
-              <a:t>Actividad </a:t>
-            </a:r>
-            <a:r>
-              <a:rPr lang="es-ES_tradnl" sz="4400" b="1" dirty="0" smtClean="0">
-                <a:solidFill>
-                  <a:srgbClr val="0070C0"/>
-                </a:solidFill>
-                <a:effectLst>
-                  <a:outerShdw blurRad="38100" dist="38100" dir="2700000" algn="tl">
-                    <a:srgbClr val="C0C0C0"/>
-                  </a:outerShdw>
-                </a:effectLst>
-                <a:latin typeface="Dom Casual" charset="0"/>
-              </a:rPr>
-              <a:t>Grupal</a:t>
-            </a:r>
-            <a:endParaRPr lang="es-ES_tradnl" sz="4400" b="1" dirty="0">
-              <a:solidFill>
-                <a:srgbClr val="0070C0"/>
-              </a:solidFill>
-              <a:effectLst>
-                <a:outerShdw blurRad="38100" dist="38100" dir="2700000" algn="tl">
-                  <a:srgbClr val="C0C0C0"/>
-                </a:outerShdw>
-              </a:effectLst>
-              <a:latin typeface="Dom Casual" charset="0"/>
-            </a:endParaRPr>
+              <a:t>Actividad Grupal</a:t>
+            </a:r>
           </a:p>
         </p:txBody>
       </p:sp>
@@ -11855,24 +11631,14 @@
               </a:lnSpc>
             </a:pPr>
             <a:r>
-              <a:rPr lang="es-MX" sz="2800" dirty="0" smtClean="0">
+              <a:rPr lang="es-MX" sz="2800" dirty="0">
                 <a:solidFill>
                   <a:schemeClr val="bg2">
                     <a:lumMod val="25000"/>
                   </a:schemeClr>
                 </a:solidFill>
               </a:rPr>
-              <a:t>Definir </a:t>
-            </a:r>
-            <a:r>
-              <a:rPr lang="es-MX" sz="2800" dirty="0">
-                <a:solidFill>
-                  <a:schemeClr val="bg2">
-                    <a:lumMod val="25000"/>
-                  </a:schemeClr>
-                </a:solidFill>
-              </a:rPr>
-              <a:t>el algoritmo y el programa en C</a:t>
+              <a:t>Definir el algoritmo y el programa en C</a:t>
             </a:r>
           </a:p>
           <a:p>
@@ -11906,17 +11672,7 @@
                   </a:schemeClr>
                 </a:solidFill>
               </a:rPr>
-              <a:t>en un día de la </a:t>
-            </a:r>
-            <a:r>
-              <a:rPr lang="es-ES_tradnl" sz="2800" dirty="0" smtClean="0">
-                <a:solidFill>
-                  <a:schemeClr val="bg2">
-                    <a:lumMod val="25000"/>
-                  </a:schemeClr>
-                </a:solidFill>
-              </a:rPr>
-              <a:t>semana.</a:t>
+              <a:t>en un día de la semana.</a:t>
             </a:r>
             <a:endParaRPr lang="es-MX" sz="2800" dirty="0">
               <a:solidFill>
@@ -12141,7 +11897,7 @@
               </a:lnSpc>
             </a:pPr>
             <a:r>
-              <a:rPr lang="es-ES_tradnl" sz="2200" dirty="0" smtClean="0">
+              <a:rPr lang="es-ES_tradnl" sz="2200" dirty="0">
                 <a:solidFill>
                   <a:schemeClr val="bg2">
                     <a:lumMod val="25000"/>
@@ -12397,17 +12153,7 @@
                   </a:schemeClr>
                 </a:solidFill>
               </a:rPr>
-              <a:t> </a:t>
-            </a:r>
-            <a:r>
-              <a:rPr lang="es-ES_tradnl" sz="2200" dirty="0" smtClean="0">
-                <a:solidFill>
-                  <a:schemeClr val="bg2">
-                    <a:lumMod val="25000"/>
-                  </a:schemeClr>
-                </a:solidFill>
-              </a:rPr>
-              <a:t>Domingo</a:t>
+              <a:t> Domingo</a:t>
             </a:r>
             <a:endParaRPr lang="es-ES" sz="2400" dirty="0"/>
           </a:p>
@@ -12436,13 +12182,55 @@
             <a:tbl>
               <a:tblPr/>
               <a:tblGrid>
-                <a:gridCol w="631825"/>
-                <a:gridCol w="631825"/>
-                <a:gridCol w="630238"/>
-                <a:gridCol w="631825"/>
-                <a:gridCol w="630237"/>
-                <a:gridCol w="631825"/>
-                <a:gridCol w="747713"/>
+                <a:gridCol w="631825">
+                  <a:extLst>
+                    <a:ext uri="{9D8B030D-6E8A-4147-A177-3AD203B41FA5}">
+                      <a16:colId xmlns:a16="http://schemas.microsoft.com/office/drawing/2014/main" val="20000"/>
+                    </a:ext>
+                  </a:extLst>
+                </a:gridCol>
+                <a:gridCol w="631825">
+                  <a:extLst>
+                    <a:ext uri="{9D8B030D-6E8A-4147-A177-3AD203B41FA5}">
+                      <a16:colId xmlns:a16="http://schemas.microsoft.com/office/drawing/2014/main" val="20001"/>
+                    </a:ext>
+                  </a:extLst>
+                </a:gridCol>
+                <a:gridCol w="630238">
+                  <a:extLst>
+                    <a:ext uri="{9D8B030D-6E8A-4147-A177-3AD203B41FA5}">
+                      <a16:colId xmlns:a16="http://schemas.microsoft.com/office/drawing/2014/main" val="20002"/>
+                    </a:ext>
+                  </a:extLst>
+                </a:gridCol>
+                <a:gridCol w="631825">
+                  <a:extLst>
+                    <a:ext uri="{9D8B030D-6E8A-4147-A177-3AD203B41FA5}">
+                      <a16:colId xmlns:a16="http://schemas.microsoft.com/office/drawing/2014/main" val="20003"/>
+                    </a:ext>
+                  </a:extLst>
+                </a:gridCol>
+                <a:gridCol w="630237">
+                  <a:extLst>
+                    <a:ext uri="{9D8B030D-6E8A-4147-A177-3AD203B41FA5}">
+                      <a16:colId xmlns:a16="http://schemas.microsoft.com/office/drawing/2014/main" val="20004"/>
+                    </a:ext>
+                  </a:extLst>
+                </a:gridCol>
+                <a:gridCol w="631825">
+                  <a:extLst>
+                    <a:ext uri="{9D8B030D-6E8A-4147-A177-3AD203B41FA5}">
+                      <a16:colId xmlns:a16="http://schemas.microsoft.com/office/drawing/2014/main" val="20005"/>
+                    </a:ext>
+                  </a:extLst>
+                </a:gridCol>
+                <a:gridCol w="747713">
+                  <a:extLst>
+                    <a:ext uri="{9D8B030D-6E8A-4147-A177-3AD203B41FA5}">
+                      <a16:colId xmlns:a16="http://schemas.microsoft.com/office/drawing/2014/main" val="20006"/>
+                    </a:ext>
+                  </a:extLst>
+                </a:gridCol>
               </a:tblGrid>
               <a:tr h="335252">
                 <a:tc>
@@ -12467,7 +12255,7 @@
                         <a:tabLst/>
                       </a:pPr>
                       <a:r>
-                        <a:rPr kumimoji="0" lang="es-MX" sz="1600" b="1" i="0" u="none" strike="noStrike" cap="none" normalizeH="0" baseline="0" dirty="0" smtClean="0">
+                        <a:rPr kumimoji="0" lang="es-MX" sz="1600" b="1" i="0" u="none" strike="noStrike" cap="none" normalizeH="0" baseline="0" dirty="0">
                           <a:ln>
                             <a:noFill/>
                           </a:ln>
@@ -12549,7 +12337,7 @@
                         <a:tabLst/>
                       </a:pPr>
                       <a:r>
-                        <a:rPr kumimoji="0" lang="es-MX" sz="1600" b="1" i="0" u="none" strike="noStrike" cap="none" normalizeH="0" baseline="0" dirty="0" smtClean="0">
+                        <a:rPr kumimoji="0" lang="es-MX" sz="1600" b="1" i="0" u="none" strike="noStrike" cap="none" normalizeH="0" baseline="0" dirty="0">
                           <a:ln>
                             <a:noFill/>
                           </a:ln>
@@ -12631,7 +12419,7 @@
                         <a:tabLst/>
                       </a:pPr>
                       <a:r>
-                        <a:rPr kumimoji="0" lang="es-MX" sz="1600" b="1" i="0" u="none" strike="noStrike" cap="none" normalizeH="0" baseline="0" dirty="0" smtClean="0">
+                        <a:rPr kumimoji="0" lang="es-MX" sz="1600" b="1" i="0" u="none" strike="noStrike" cap="none" normalizeH="0" baseline="0" dirty="0">
                           <a:ln>
                             <a:noFill/>
                           </a:ln>
@@ -12713,7 +12501,7 @@
                         <a:tabLst/>
                       </a:pPr>
                       <a:r>
-                        <a:rPr kumimoji="0" lang="es-MX" sz="1600" b="1" i="0" u="none" strike="noStrike" cap="none" normalizeH="0" baseline="0" dirty="0" smtClean="0">
+                        <a:rPr kumimoji="0" lang="es-MX" sz="1600" b="1" i="0" u="none" strike="noStrike" cap="none" normalizeH="0" baseline="0" dirty="0">
                           <a:ln>
                             <a:noFill/>
                           </a:ln>
@@ -12795,7 +12583,7 @@
                         <a:tabLst/>
                       </a:pPr>
                       <a:r>
-                        <a:rPr kumimoji="0" lang="es-MX" sz="1600" b="1" i="0" u="none" strike="noStrike" cap="none" normalizeH="0" baseline="0" dirty="0" smtClean="0">
+                        <a:rPr kumimoji="0" lang="es-MX" sz="1600" b="1" i="0" u="none" strike="noStrike" cap="none" normalizeH="0" baseline="0" dirty="0">
                           <a:ln>
                             <a:noFill/>
                           </a:ln>
@@ -12877,7 +12665,7 @@
                         <a:tabLst/>
                       </a:pPr>
                       <a:r>
-                        <a:rPr kumimoji="0" lang="es-MX" sz="1600" b="1" i="0" u="none" strike="noStrike" cap="none" normalizeH="0" baseline="0" dirty="0" smtClean="0">
+                        <a:rPr kumimoji="0" lang="es-MX" sz="1600" b="1" i="0" u="none" strike="noStrike" cap="none" normalizeH="0" baseline="0" dirty="0">
                           <a:ln>
                             <a:noFill/>
                           </a:ln>
@@ -12959,7 +12747,7 @@
                         <a:tabLst/>
                       </a:pPr>
                       <a:r>
-                        <a:rPr kumimoji="0" lang="es-MX" sz="1600" b="1" i="0" u="none" strike="noStrike" cap="none" normalizeH="0" baseline="0" dirty="0" smtClean="0">
+                        <a:rPr kumimoji="0" lang="es-MX" sz="1600" b="1" i="0" u="none" strike="noStrike" cap="none" normalizeH="0" baseline="0" dirty="0">
                           <a:ln>
                             <a:noFill/>
                           </a:ln>
@@ -13019,6 +12807,11 @@
                     <a:noFill/>
                   </a:tcPr>
                 </a:tc>
+                <a:extLst>
+                  <a:ext uri="{0D108BD9-81ED-4DB2-BD59-A6C34878D82A}">
+                    <a16:rowId xmlns:a16="http://schemas.microsoft.com/office/drawing/2014/main" val="10000"/>
+                  </a:ext>
+                </a:extLst>
               </a:tr>
               <a:tr h="426900">
                 <a:tc>
@@ -13043,7 +12836,7 @@
                         <a:tabLst/>
                       </a:pPr>
                       <a:r>
-                        <a:rPr kumimoji="0" lang="es-MX" sz="2000" b="0" i="0" u="none" strike="noStrike" cap="none" normalizeH="0" baseline="0" dirty="0" smtClean="0">
+                        <a:rPr kumimoji="0" lang="es-MX" sz="2000" b="0" i="0" u="none" strike="noStrike" cap="none" normalizeH="0" baseline="0" dirty="0">
                           <a:ln>
                             <a:noFill/>
                           </a:ln>
@@ -13125,7 +12918,7 @@
                         <a:tabLst/>
                       </a:pPr>
                       <a:r>
-                        <a:rPr kumimoji="0" lang="es-MX" sz="2000" b="0" i="0" u="none" strike="noStrike" cap="none" normalizeH="0" baseline="0" dirty="0" smtClean="0">
+                        <a:rPr kumimoji="0" lang="es-MX" sz="2000" b="0" i="0" u="none" strike="noStrike" cap="none" normalizeH="0" baseline="0" dirty="0">
                           <a:ln>
                             <a:noFill/>
                           </a:ln>
@@ -13207,7 +13000,7 @@
                         <a:tabLst/>
                       </a:pPr>
                       <a:r>
-                        <a:rPr kumimoji="0" lang="es-MX" sz="2000" b="0" i="0" u="none" strike="noStrike" cap="none" normalizeH="0" baseline="0" dirty="0" smtClean="0">
+                        <a:rPr kumimoji="0" lang="es-MX" sz="2000" b="0" i="0" u="none" strike="noStrike" cap="none" normalizeH="0" baseline="0" dirty="0">
                           <a:ln>
                             <a:noFill/>
                           </a:ln>
@@ -13289,7 +13082,7 @@
                         <a:tabLst/>
                       </a:pPr>
                       <a:r>
-                        <a:rPr kumimoji="0" lang="es-MX" sz="2000" b="0" i="0" u="none" strike="noStrike" cap="none" normalizeH="0" baseline="0" dirty="0" smtClean="0">
+                        <a:rPr kumimoji="0" lang="es-MX" sz="2000" b="0" i="0" u="none" strike="noStrike" cap="none" normalizeH="0" baseline="0" dirty="0">
                           <a:ln>
                             <a:noFill/>
                           </a:ln>
@@ -13371,7 +13164,7 @@
                         <a:tabLst/>
                       </a:pPr>
                       <a:r>
-                        <a:rPr kumimoji="0" lang="es-MX" sz="2000" b="0" i="0" u="none" strike="noStrike" cap="none" normalizeH="0" baseline="0" dirty="0" smtClean="0">
+                        <a:rPr kumimoji="0" lang="es-MX" sz="2000" b="0" i="0" u="none" strike="noStrike" cap="none" normalizeH="0" baseline="0" dirty="0">
                           <a:ln>
                             <a:noFill/>
                           </a:ln>
@@ -13453,7 +13246,7 @@
                         <a:tabLst/>
                       </a:pPr>
                       <a:r>
-                        <a:rPr kumimoji="0" lang="es-MX" sz="2000" b="0" i="0" u="none" strike="noStrike" cap="none" normalizeH="0" baseline="0" dirty="0" smtClean="0">
+                        <a:rPr kumimoji="0" lang="es-MX" sz="2000" b="0" i="0" u="none" strike="noStrike" cap="none" normalizeH="0" baseline="0" dirty="0">
                           <a:ln>
                             <a:noFill/>
                           </a:ln>
@@ -13535,7 +13328,7 @@
                         <a:tabLst/>
                       </a:pPr>
                       <a:r>
-                        <a:rPr kumimoji="0" lang="es-MX" sz="2000" b="0" i="0" u="none" strike="noStrike" cap="none" normalizeH="0" baseline="0" dirty="0" smtClean="0">
+                        <a:rPr kumimoji="0" lang="es-MX" sz="2000" b="0" i="0" u="none" strike="noStrike" cap="none" normalizeH="0" baseline="0" dirty="0">
                           <a:ln>
                             <a:noFill/>
                           </a:ln>
@@ -13595,6 +13388,11 @@
                     <a:noFill/>
                   </a:tcPr>
                 </a:tc>
+                <a:extLst>
+                  <a:ext uri="{0D108BD9-81ED-4DB2-BD59-A6C34878D82A}">
+                    <a16:rowId xmlns:a16="http://schemas.microsoft.com/office/drawing/2014/main" val="10001"/>
+                  </a:ext>
+                </a:extLst>
               </a:tr>
               <a:tr h="426900">
                 <a:tc>
@@ -13619,7 +13417,7 @@
                         <a:tabLst/>
                       </a:pPr>
                       <a:r>
-                        <a:rPr kumimoji="0" lang="es-MX" sz="2000" b="0" i="0" u="none" strike="noStrike" cap="none" normalizeH="0" baseline="0" dirty="0" smtClean="0">
+                        <a:rPr kumimoji="0" lang="es-MX" sz="2000" b="0" i="0" u="none" strike="noStrike" cap="none" normalizeH="0" baseline="0" dirty="0">
                           <a:ln>
                             <a:noFill/>
                           </a:ln>
@@ -13701,7 +13499,7 @@
                         <a:tabLst/>
                       </a:pPr>
                       <a:r>
-                        <a:rPr kumimoji="0" lang="es-MX" sz="2000" b="0" i="0" u="none" strike="noStrike" cap="none" normalizeH="0" baseline="0" dirty="0" smtClean="0">
+                        <a:rPr kumimoji="0" lang="es-MX" sz="2000" b="0" i="0" u="none" strike="noStrike" cap="none" normalizeH="0" baseline="0" dirty="0">
                           <a:ln>
                             <a:noFill/>
                           </a:ln>
@@ -13783,7 +13581,7 @@
                         <a:tabLst/>
                       </a:pPr>
                       <a:r>
-                        <a:rPr kumimoji="0" lang="es-MX" sz="2000" b="0" i="0" u="none" strike="noStrike" cap="none" normalizeH="0" baseline="0" dirty="0" smtClean="0">
+                        <a:rPr kumimoji="0" lang="es-MX" sz="2000" b="0" i="0" u="none" strike="noStrike" cap="none" normalizeH="0" baseline="0" dirty="0">
                           <a:ln>
                             <a:noFill/>
                           </a:ln>
@@ -13865,7 +13663,7 @@
                         <a:tabLst/>
                       </a:pPr>
                       <a:r>
-                        <a:rPr kumimoji="0" lang="es-MX" sz="2000" b="0" i="0" u="none" strike="noStrike" cap="none" normalizeH="0" baseline="0" dirty="0" smtClean="0">
+                        <a:rPr kumimoji="0" lang="es-MX" sz="2000" b="0" i="0" u="none" strike="noStrike" cap="none" normalizeH="0" baseline="0" dirty="0">
                           <a:ln>
                             <a:noFill/>
                           </a:ln>
@@ -13947,7 +13745,7 @@
                         <a:tabLst/>
                       </a:pPr>
                       <a:r>
-                        <a:rPr kumimoji="0" lang="es-MX" sz="2000" b="0" i="0" u="none" strike="noStrike" cap="none" normalizeH="0" baseline="0" dirty="0" smtClean="0">
+                        <a:rPr kumimoji="0" lang="es-MX" sz="2000" b="0" i="0" u="none" strike="noStrike" cap="none" normalizeH="0" baseline="0" dirty="0">
                           <a:ln>
                             <a:noFill/>
                           </a:ln>
@@ -14029,7 +13827,7 @@
                         <a:tabLst/>
                       </a:pPr>
                       <a:r>
-                        <a:rPr kumimoji="0" lang="es-MX" sz="2000" b="0" i="0" u="none" strike="noStrike" cap="none" normalizeH="0" baseline="0" dirty="0" smtClean="0">
+                        <a:rPr kumimoji="0" lang="es-MX" sz="2000" b="0" i="0" u="none" strike="noStrike" cap="none" normalizeH="0" baseline="0" dirty="0">
                           <a:ln>
                             <a:noFill/>
                           </a:ln>
@@ -14111,7 +13909,7 @@
                         <a:tabLst/>
                       </a:pPr>
                       <a:r>
-                        <a:rPr kumimoji="0" lang="es-MX" sz="2000" b="0" i="0" u="none" strike="noStrike" cap="none" normalizeH="0" baseline="0" dirty="0" smtClean="0">
+                        <a:rPr kumimoji="0" lang="es-MX" sz="2000" b="0" i="0" u="none" strike="noStrike" cap="none" normalizeH="0" baseline="0" dirty="0">
                           <a:ln>
                             <a:noFill/>
                           </a:ln>
@@ -14171,6 +13969,11 @@
                     <a:noFill/>
                   </a:tcPr>
                 </a:tc>
+                <a:extLst>
+                  <a:ext uri="{0D108BD9-81ED-4DB2-BD59-A6C34878D82A}">
+                    <a16:rowId xmlns:a16="http://schemas.microsoft.com/office/drawing/2014/main" val="10002"/>
+                  </a:ext>
+                </a:extLst>
               </a:tr>
               <a:tr h="426900">
                 <a:tc>
@@ -14195,7 +13998,7 @@
                         <a:tabLst/>
                       </a:pPr>
                       <a:r>
-                        <a:rPr kumimoji="0" lang="es-MX" sz="2000" b="0" i="0" u="none" strike="noStrike" cap="none" normalizeH="0" baseline="0" dirty="0" smtClean="0">
+                        <a:rPr kumimoji="0" lang="es-MX" sz="2000" b="0" i="0" u="none" strike="noStrike" cap="none" normalizeH="0" baseline="0" dirty="0">
                           <a:ln>
                             <a:noFill/>
                           </a:ln>
@@ -14277,7 +14080,7 @@
                         <a:tabLst/>
                       </a:pPr>
                       <a:r>
-                        <a:rPr kumimoji="0" lang="es-MX" sz="2000" b="0" i="0" u="none" strike="noStrike" cap="none" normalizeH="0" baseline="0" dirty="0" smtClean="0">
+                        <a:rPr kumimoji="0" lang="es-MX" sz="2000" b="0" i="0" u="none" strike="noStrike" cap="none" normalizeH="0" baseline="0" dirty="0">
                           <a:ln>
                             <a:noFill/>
                           </a:ln>
@@ -14359,7 +14162,7 @@
                         <a:tabLst/>
                       </a:pPr>
                       <a:r>
-                        <a:rPr kumimoji="0" lang="es-MX" sz="2000" b="0" i="0" u="none" strike="noStrike" cap="none" normalizeH="0" baseline="0" dirty="0" smtClean="0">
+                        <a:rPr kumimoji="0" lang="es-MX" sz="2000" b="0" i="0" u="none" strike="noStrike" cap="none" normalizeH="0" baseline="0" dirty="0">
                           <a:ln>
                             <a:noFill/>
                           </a:ln>
@@ -14441,7 +14244,7 @@
                         <a:tabLst/>
                       </a:pPr>
                       <a:r>
-                        <a:rPr kumimoji="0" lang="es-MX" sz="2000" b="0" i="0" u="none" strike="noStrike" cap="none" normalizeH="0" baseline="0" dirty="0" smtClean="0">
+                        <a:rPr kumimoji="0" lang="es-MX" sz="2000" b="0" i="0" u="none" strike="noStrike" cap="none" normalizeH="0" baseline="0" dirty="0">
                           <a:ln>
                             <a:noFill/>
                           </a:ln>
@@ -14523,7 +14326,7 @@
                         <a:tabLst/>
                       </a:pPr>
                       <a:r>
-                        <a:rPr kumimoji="0" lang="es-MX" sz="2000" b="0" i="0" u="none" strike="noStrike" cap="none" normalizeH="0" baseline="0" dirty="0" smtClean="0">
+                        <a:rPr kumimoji="0" lang="es-MX" sz="2000" b="0" i="0" u="none" strike="noStrike" cap="none" normalizeH="0" baseline="0" dirty="0">
                           <a:ln>
                             <a:noFill/>
                           </a:ln>
@@ -14605,7 +14408,7 @@
                         <a:tabLst/>
                       </a:pPr>
                       <a:r>
-                        <a:rPr kumimoji="0" lang="es-MX" sz="2000" b="0" i="0" u="none" strike="noStrike" cap="none" normalizeH="0" baseline="0" dirty="0" smtClean="0">
+                        <a:rPr kumimoji="0" lang="es-MX" sz="2000" b="0" i="0" u="none" strike="noStrike" cap="none" normalizeH="0" baseline="0" dirty="0">
                           <a:ln>
                             <a:noFill/>
                           </a:ln>
@@ -14687,7 +14490,7 @@
                         <a:tabLst/>
                       </a:pPr>
                       <a:r>
-                        <a:rPr kumimoji="0" lang="es-MX" sz="2000" b="0" i="0" u="none" strike="noStrike" cap="none" normalizeH="0" baseline="0" dirty="0" smtClean="0">
+                        <a:rPr kumimoji="0" lang="es-MX" sz="2000" b="0" i="0" u="none" strike="noStrike" cap="none" normalizeH="0" baseline="0" dirty="0">
                           <a:ln>
                             <a:noFill/>
                           </a:ln>
@@ -14747,6 +14550,11 @@
                     <a:noFill/>
                   </a:tcPr>
                 </a:tc>
+                <a:extLst>
+                  <a:ext uri="{0D108BD9-81ED-4DB2-BD59-A6C34878D82A}">
+                    <a16:rowId xmlns:a16="http://schemas.microsoft.com/office/drawing/2014/main" val="10003"/>
+                  </a:ext>
+                </a:extLst>
               </a:tr>
               <a:tr h="426900">
                 <a:tc>
@@ -14771,7 +14579,7 @@
                         <a:tabLst/>
                       </a:pPr>
                       <a:r>
-                        <a:rPr kumimoji="0" lang="es-MX" sz="2000" b="0" i="0" u="none" strike="noStrike" cap="none" normalizeH="0" baseline="0" dirty="0" smtClean="0">
+                        <a:rPr kumimoji="0" lang="es-MX" sz="2000" b="0" i="0" u="none" strike="noStrike" cap="none" normalizeH="0" baseline="0" dirty="0">
                           <a:ln>
                             <a:noFill/>
                           </a:ln>
@@ -14853,7 +14661,7 @@
                         <a:tabLst/>
                       </a:pPr>
                       <a:r>
-                        <a:rPr kumimoji="0" lang="es-MX" sz="2000" b="0" i="0" u="none" strike="noStrike" cap="none" normalizeH="0" baseline="0" dirty="0" smtClean="0">
+                        <a:rPr kumimoji="0" lang="es-MX" sz="2000" b="0" i="0" u="none" strike="noStrike" cap="none" normalizeH="0" baseline="0" dirty="0">
                           <a:ln>
                             <a:noFill/>
                           </a:ln>
@@ -14935,7 +14743,7 @@
                         <a:tabLst/>
                       </a:pPr>
                       <a:r>
-                        <a:rPr kumimoji="0" lang="es-MX" sz="2000" b="0" i="0" u="none" strike="noStrike" cap="none" normalizeH="0" baseline="0" dirty="0" smtClean="0">
+                        <a:rPr kumimoji="0" lang="es-MX" sz="2000" b="0" i="0" u="none" strike="noStrike" cap="none" normalizeH="0" baseline="0" dirty="0">
                           <a:ln>
                             <a:noFill/>
                           </a:ln>
@@ -15017,7 +14825,7 @@
                         <a:tabLst/>
                       </a:pPr>
                       <a:r>
-                        <a:rPr kumimoji="0" lang="es-MX" sz="2000" b="0" i="0" u="none" strike="noStrike" cap="none" normalizeH="0" baseline="0" dirty="0" smtClean="0">
+                        <a:rPr kumimoji="0" lang="es-MX" sz="2000" b="0" i="0" u="none" strike="noStrike" cap="none" normalizeH="0" baseline="0" dirty="0">
                           <a:ln>
                             <a:noFill/>
                           </a:ln>
@@ -15099,7 +14907,7 @@
                         <a:tabLst/>
                       </a:pPr>
                       <a:r>
-                        <a:rPr kumimoji="0" lang="es-MX" sz="2000" b="0" i="0" u="none" strike="noStrike" cap="none" normalizeH="0" baseline="0" dirty="0" smtClean="0">
+                        <a:rPr kumimoji="0" lang="es-MX" sz="2000" b="0" i="0" u="none" strike="noStrike" cap="none" normalizeH="0" baseline="0" dirty="0">
                           <a:ln>
                             <a:noFill/>
                           </a:ln>
@@ -15181,7 +14989,7 @@
                         <a:tabLst/>
                       </a:pPr>
                       <a:r>
-                        <a:rPr kumimoji="0" lang="es-MX" sz="2000" b="0" i="0" u="none" strike="noStrike" cap="none" normalizeH="0" baseline="0" dirty="0" smtClean="0">
+                        <a:rPr kumimoji="0" lang="es-MX" sz="2000" b="0" i="0" u="none" strike="noStrike" cap="none" normalizeH="0" baseline="0" dirty="0">
                           <a:ln>
                             <a:noFill/>
                           </a:ln>
@@ -15263,7 +15071,7 @@
                         <a:tabLst/>
                       </a:pPr>
                       <a:r>
-                        <a:rPr kumimoji="0" lang="es-MX" sz="2000" b="0" i="0" u="none" strike="noStrike" cap="none" normalizeH="0" baseline="0" dirty="0" smtClean="0">
+                        <a:rPr kumimoji="0" lang="es-MX" sz="2000" b="0" i="0" u="none" strike="noStrike" cap="none" normalizeH="0" baseline="0" dirty="0">
                           <a:ln>
                             <a:noFill/>
                           </a:ln>
@@ -15323,6 +15131,11 @@
                     <a:noFill/>
                   </a:tcPr>
                 </a:tc>
+                <a:extLst>
+                  <a:ext uri="{0D108BD9-81ED-4DB2-BD59-A6C34878D82A}">
+                    <a16:rowId xmlns:a16="http://schemas.microsoft.com/office/drawing/2014/main" val="10004"/>
+                  </a:ext>
+                </a:extLst>
               </a:tr>
               <a:tr h="396212">
                 <a:tc>
@@ -15347,7 +15160,7 @@
                         <a:tabLst/>
                       </a:pPr>
                       <a:r>
-                        <a:rPr kumimoji="0" lang="es-MX" sz="2000" b="0" i="0" u="none" strike="noStrike" cap="none" normalizeH="0" baseline="0" dirty="0" smtClean="0">
+                        <a:rPr kumimoji="0" lang="es-MX" sz="2000" b="0" i="0" u="none" strike="noStrike" cap="none" normalizeH="0" baseline="0" dirty="0">
                           <a:ln>
                             <a:noFill/>
                           </a:ln>
@@ -15429,7 +15242,7 @@
                         <a:tabLst/>
                       </a:pPr>
                       <a:r>
-                        <a:rPr kumimoji="0" lang="es-MX" sz="2000" b="0" i="0" u="none" strike="noStrike" cap="none" normalizeH="0" baseline="0" dirty="0" smtClean="0">
+                        <a:rPr kumimoji="0" lang="es-MX" sz="2000" b="0" i="0" u="none" strike="noStrike" cap="none" normalizeH="0" baseline="0" dirty="0">
                           <a:ln>
                             <a:noFill/>
                           </a:ln>
@@ -15511,7 +15324,7 @@
                         <a:tabLst/>
                       </a:pPr>
                       <a:r>
-                        <a:rPr kumimoji="0" lang="es-MX" sz="2000" b="0" i="0" u="none" strike="noStrike" cap="none" normalizeH="0" baseline="0" dirty="0" smtClean="0">
+                        <a:rPr kumimoji="0" lang="es-MX" sz="2000" b="0" i="0" u="none" strike="noStrike" cap="none" normalizeH="0" baseline="0" dirty="0">
                           <a:ln>
                             <a:noFill/>
                           </a:ln>
@@ -15592,7 +15405,7 @@
                         <a:buNone/>
                         <a:tabLst/>
                       </a:pPr>
-                      <a:endParaRPr kumimoji="0" lang="es-MX" sz="2000" b="0" i="0" u="none" strike="noStrike" cap="none" normalizeH="0" baseline="0" dirty="0" smtClean="0">
+                      <a:endParaRPr kumimoji="0" lang="es-MX" sz="2000" b="0" i="0" u="none" strike="noStrike" cap="none" normalizeH="0" baseline="0" dirty="0">
                         <a:ln>
                           <a:noFill/>
                         </a:ln>
@@ -15671,7 +15484,7 @@
                         <a:buNone/>
                         <a:tabLst/>
                       </a:pPr>
-                      <a:endParaRPr kumimoji="0" lang="es-MX" sz="2000" b="0" i="0" u="none" strike="noStrike" cap="none" normalizeH="0" baseline="0" dirty="0" smtClean="0">
+                      <a:endParaRPr kumimoji="0" lang="es-MX" sz="2000" b="0" i="0" u="none" strike="noStrike" cap="none" normalizeH="0" baseline="0" dirty="0">
                         <a:ln>
                           <a:noFill/>
                         </a:ln>
@@ -15750,7 +15563,7 @@
                         <a:buNone/>
                         <a:tabLst/>
                       </a:pPr>
-                      <a:endParaRPr kumimoji="0" lang="es-MX" sz="2000" b="0" i="0" u="none" strike="noStrike" cap="none" normalizeH="0" baseline="0" dirty="0" smtClean="0">
+                      <a:endParaRPr kumimoji="0" lang="es-MX" sz="2000" b="0" i="0" u="none" strike="noStrike" cap="none" normalizeH="0" baseline="0" dirty="0">
                         <a:ln>
                           <a:noFill/>
                         </a:ln>
@@ -15829,7 +15642,7 @@
                         <a:buNone/>
                         <a:tabLst/>
                       </a:pPr>
-                      <a:endParaRPr kumimoji="0" lang="es-MX" sz="2000" b="0" i="0" u="none" strike="noStrike" cap="none" normalizeH="0" baseline="0" dirty="0" smtClean="0">
+                      <a:endParaRPr kumimoji="0" lang="es-MX" sz="2000" b="0" i="0" u="none" strike="noStrike" cap="none" normalizeH="0" baseline="0" dirty="0">
                         <a:ln>
                           <a:noFill/>
                         </a:ln>
@@ -15887,6 +15700,11 @@
                     <a:noFill/>
                   </a:tcPr>
                 </a:tc>
+                <a:extLst>
+                  <a:ext uri="{0D108BD9-81ED-4DB2-BD59-A6C34878D82A}">
+                    <a16:rowId xmlns:a16="http://schemas.microsoft.com/office/drawing/2014/main" val="10005"/>
+                  </a:ext>
+                </a:extLst>
               </a:tr>
               <a:tr h="396212">
                 <a:tc>
@@ -15911,7 +15729,7 @@
                         <a:tabLst/>
                       </a:pPr>
                       <a:r>
-                        <a:rPr kumimoji="0" lang="es-MX" sz="2000" b="1" i="0" u="none" strike="noStrike" cap="none" normalizeH="0" baseline="0" dirty="0" smtClean="0">
+                        <a:rPr kumimoji="0" lang="es-MX" sz="2000" b="1" i="0" u="none" strike="noStrike" cap="none" normalizeH="0" baseline="0" dirty="0">
                           <a:ln>
                             <a:noFill/>
                           </a:ln>
@@ -15997,7 +15815,7 @@
                         <a:tabLst/>
                       </a:pPr>
                       <a:r>
-                        <a:rPr kumimoji="0" lang="es-MX" sz="2000" b="1" i="0" u="none" strike="noStrike" cap="none" normalizeH="0" baseline="0" dirty="0" smtClean="0">
+                        <a:rPr kumimoji="0" lang="es-MX" sz="2000" b="1" i="0" u="none" strike="noStrike" cap="none" normalizeH="0" baseline="0" dirty="0">
                           <a:ln>
                             <a:noFill/>
                           </a:ln>
@@ -16083,7 +15901,7 @@
                         <a:tabLst/>
                       </a:pPr>
                       <a:r>
-                        <a:rPr kumimoji="0" lang="es-MX" sz="2000" b="1" i="0" u="none" strike="noStrike" cap="none" normalizeH="0" baseline="0" dirty="0" smtClean="0">
+                        <a:rPr kumimoji="0" lang="es-MX" sz="2000" b="1" i="0" u="none" strike="noStrike" cap="none" normalizeH="0" baseline="0" dirty="0">
                           <a:ln>
                             <a:noFill/>
                           </a:ln>
@@ -16169,7 +15987,7 @@
                         <a:tabLst/>
                       </a:pPr>
                       <a:r>
-                        <a:rPr kumimoji="0" lang="es-MX" sz="2000" b="1" i="0" u="none" strike="noStrike" cap="none" normalizeH="0" baseline="0" dirty="0" smtClean="0">
+                        <a:rPr kumimoji="0" lang="es-MX" sz="2000" b="1" i="0" u="none" strike="noStrike" cap="none" normalizeH="0" baseline="0" dirty="0">
                           <a:ln>
                             <a:noFill/>
                           </a:ln>
@@ -16255,7 +16073,7 @@
                         <a:tabLst/>
                       </a:pPr>
                       <a:r>
-                        <a:rPr kumimoji="0" lang="es-MX" sz="2000" b="1" i="0" u="none" strike="noStrike" cap="none" normalizeH="0" baseline="0" dirty="0" smtClean="0">
+                        <a:rPr kumimoji="0" lang="es-MX" sz="2000" b="1" i="0" u="none" strike="noStrike" cap="none" normalizeH="0" baseline="0" dirty="0">
                           <a:ln>
                             <a:noFill/>
                           </a:ln>
@@ -16341,7 +16159,7 @@
                         <a:tabLst/>
                       </a:pPr>
                       <a:r>
-                        <a:rPr kumimoji="0" lang="es-MX" sz="2000" b="1" i="0" u="none" strike="noStrike" cap="none" normalizeH="0" baseline="0" dirty="0" smtClean="0">
+                        <a:rPr kumimoji="0" lang="es-MX" sz="2000" b="1" i="0" u="none" strike="noStrike" cap="none" normalizeH="0" baseline="0" dirty="0">
                           <a:ln>
                             <a:noFill/>
                           </a:ln>
@@ -16427,7 +16245,7 @@
                         <a:tabLst/>
                       </a:pPr>
                       <a:r>
-                        <a:rPr kumimoji="0" lang="es-MX" sz="2000" b="1" i="0" u="none" strike="noStrike" cap="none" normalizeH="0" baseline="0" dirty="0" smtClean="0">
+                        <a:rPr kumimoji="0" lang="es-MX" sz="2000" b="1" i="0" u="none" strike="noStrike" cap="none" normalizeH="0" baseline="0" dirty="0">
                           <a:ln>
                             <a:noFill/>
                           </a:ln>
@@ -16491,6 +16309,11 @@
                     </a:solidFill>
                   </a:tcPr>
                 </a:tc>
+                <a:extLst>
+                  <a:ext uri="{0D108BD9-81ED-4DB2-BD59-A6C34878D82A}">
+                    <a16:rowId xmlns:a16="http://schemas.microsoft.com/office/drawing/2014/main" val="10006"/>
+                  </a:ext>
+                </a:extLst>
               </a:tr>
             </a:tbl>
           </a:graphicData>
@@ -17109,7 +16932,7 @@
               <a:defRPr/>
             </a:pPr>
             <a:r>
-              <a:rPr lang="es-MX" sz="2400" b="1" dirty="0" smtClean="0">
+              <a:rPr lang="es-MX" sz="2400" b="1" dirty="0">
                 <a:solidFill>
                   <a:srgbClr val="FF0000"/>
                 </a:solidFill>
@@ -17237,7 +17060,7 @@
               <a:defRPr/>
             </a:pPr>
             <a:r>
-              <a:rPr lang="es-ES_tradnl" sz="4000" b="1" dirty="0" smtClean="0">
+              <a:rPr lang="es-ES_tradnl" sz="4000" b="1" dirty="0">
                 <a:solidFill>
                   <a:srgbClr val="0070C0"/>
                 </a:solidFill>
@@ -17250,17 +17073,6 @@
               </a:rPr>
               <a:t>Solución</a:t>
             </a:r>
-            <a:endParaRPr lang="es-ES_tradnl" sz="4000" b="1" dirty="0">
-              <a:solidFill>
-                <a:srgbClr val="0070C0"/>
-              </a:solidFill>
-              <a:effectLst>
-                <a:outerShdw blurRad="38100" dist="38100" dir="2700000" algn="tl">
-                  <a:srgbClr val="C0C0C0"/>
-                </a:outerShdw>
-              </a:effectLst>
-              <a:latin typeface="Dom Casual" charset="0"/>
-            </a:endParaRPr>
           </a:p>
         </p:txBody>
       </p:sp>
@@ -17274,13 +17086,6 @@
   <p:clrMapOvr>
     <a:masterClrMapping/>
   </p:clrMapOvr>
-  <p:timing>
-    <p:tnLst>
-      <p:par>
-        <p:cTn id="1" dur="indefinite" restart="never" nodeType="tmRoot"/>
-      </p:par>
-    </p:tnLst>
-  </p:timing>
 </p:sld>
 </file>
 
@@ -17900,7 +17705,7 @@
               <a:defRPr/>
             </a:pPr>
             <a:r>
-              <a:rPr lang="es-ES_tradnl" sz="4000" b="1" dirty="0" smtClean="0">
+              <a:rPr lang="es-ES_tradnl" sz="4000" b="1" dirty="0">
                 <a:solidFill>
                   <a:srgbClr val="0070C0"/>
                 </a:solidFill>
@@ -17913,17 +17718,6 @@
               </a:rPr>
               <a:t>Solución</a:t>
             </a:r>
-            <a:endParaRPr lang="es-ES_tradnl" sz="4000" b="1" dirty="0">
-              <a:solidFill>
-                <a:srgbClr val="0070C0"/>
-              </a:solidFill>
-              <a:effectLst>
-                <a:outerShdw blurRad="38100" dist="38100" dir="2700000" algn="tl">
-                  <a:srgbClr val="C0C0C0"/>
-                </a:outerShdw>
-              </a:effectLst>
-              <a:latin typeface="Dom Casual" charset="0"/>
-            </a:endParaRPr>
           </a:p>
         </p:txBody>
       </p:sp>
@@ -17937,13 +17731,6 @@
   <p:clrMapOvr>
     <a:masterClrMapping/>
   </p:clrMapOvr>
-  <p:timing>
-    <p:tnLst>
-      <p:par>
-        <p:cTn id="1" dur="indefinite" restart="never" nodeType="tmRoot"/>
-      </p:par>
-    </p:tnLst>
-  </p:timing>
 </p:sld>
 </file>
 
